--- a/thesis_v2/Figures/chap5/model/models_tom.pptx
+++ b/thesis_v2/Figures/chap5/model/models_tom.pptx
@@ -5,13 +5,11 @@
     <p:sldMasterId id="2147483659" r:id="rId1"/>
   </p:sldMasterIdLst>
   <p:notesMasterIdLst>
-    <p:notesMasterId r:id="rId6"/>
+    <p:notesMasterId r:id="rId4"/>
   </p:notesMasterIdLst>
   <p:sldIdLst>
-    <p:sldId id="256" r:id="rId2"/>
-    <p:sldId id="259" r:id="rId3"/>
-    <p:sldId id="257" r:id="rId4"/>
-    <p:sldId id="258" r:id="rId5"/>
+    <p:sldId id="259" r:id="rId2"/>
+    <p:sldId id="258" r:id="rId3"/>
   </p:sldIdLst>
   <p:sldSz cx="12192000" cy="6858000"/>
   <p:notesSz cx="6858000" cy="9144000"/>
@@ -217,11 +215,12 @@
       </a:defRPr>
     </a:lvl9pPr>
   </p:defaultTextStyle>
+  <p:extLst>
+    <p:ext uri="{EFAFB233-063F-42B5-8137-9DF3F51BA10A}">
+      <p15:sldGuideLst xmlns:p15="http://schemas.microsoft.com/office/powerpoint/2012/main"/>
+    </p:ext>
+  </p:extLst>
 </p:presentation>
-</file>
-
-<file path=ppt/revisionInfo.xml><?xml version="1.0" encoding="utf-8"?>
-<p1510:revInfo xmlns:a="http://schemas.openxmlformats.org/drawingml/2006/main" xmlns:r="http://schemas.openxmlformats.org/officeDocument/2006/relationships" xmlns:p1510="http://schemas.microsoft.com/office/powerpoint/2015/10/main"/>
 </file>
 
 <file path=ppt/notesMasters/notesMaster1.xml><?xml version="1.0" encoding="utf-8"?>
@@ -627,114 +626,6 @@
         </p:spPr>
       </p:sp>
     </p:spTree>
-  </p:cSld>
-  <p:clrMapOvr>
-    <a:masterClrMapping/>
-  </p:clrMapOvr>
-</p:notes>
-</file>
-
-<file path=ppt/notesSlides/notesSlide2.xml><?xml version="1.0" encoding="utf-8"?>
-<p:notes xmlns:a="http://schemas.openxmlformats.org/drawingml/2006/main" xmlns:r="http://schemas.openxmlformats.org/officeDocument/2006/relationships" xmlns:p="http://schemas.openxmlformats.org/presentationml/2006/main" showMasterSp="0" showMasterPhAnim="0">
-  <p:cSld>
-    <p:spTree>
-      <p:nvGrpSpPr>
-        <p:cNvPr id="1" name="Shape 80"/>
-        <p:cNvGrpSpPr/>
-        <p:nvPr/>
-      </p:nvGrpSpPr>
-      <p:grpSpPr>
-        <a:xfrm>
-          <a:off x="0" y="0"/>
-          <a:ext cx="0" cy="0"/>
-          <a:chOff x="0" y="0"/>
-          <a:chExt cx="0" cy="0"/>
-        </a:xfrm>
-      </p:grpSpPr>
-      <p:sp>
-        <p:nvSpPr>
-          <p:cNvPr id="81" name="Shape 81"/>
-          <p:cNvSpPr txBox="1">
-            <a:spLocks noGrp="1"/>
-          </p:cNvSpPr>
-          <p:nvPr>
-            <p:ph type="body" idx="1"/>
-          </p:nvPr>
-        </p:nvSpPr>
-        <p:spPr>
-          <a:xfrm>
-            <a:off x="685800" y="4343400"/>
-            <a:ext cx="5486400" cy="4114800"/>
-          </a:xfrm>
-          <a:prstGeom prst="rect">
-            <a:avLst/>
-          </a:prstGeom>
-          <a:noFill/>
-          <a:ln>
-            <a:noFill/>
-          </a:ln>
-        </p:spPr>
-        <p:txBody>
-          <a:bodyPr spcFirstLastPara="1" wrap="square" lIns="91425" tIns="91425" rIns="91425" bIns="91425" anchor="ctr" anchorCtr="0">
-            <a:noAutofit/>
-          </a:bodyPr>
-          <a:lstStyle/>
-          <a:p>
-            <a:pPr marL="0" lvl="0" indent="0">
-              <a:spcBef>
-                <a:spcPts val="0"/>
-              </a:spcBef>
-              <a:spcAft>
-                <a:spcPts val="0"/>
-              </a:spcAft>
-              <a:buNone/>
-            </a:pPr>
-            <a:endParaRPr/>
-          </a:p>
-        </p:txBody>
-      </p:sp>
-      <p:sp>
-        <p:nvSpPr>
-          <p:cNvPr id="82" name="Shape 82"/>
-          <p:cNvSpPr>
-            <a:spLocks noGrp="1" noRot="1" noChangeAspect="1"/>
-          </p:cNvSpPr>
-          <p:nvPr>
-            <p:ph type="sldImg" idx="2"/>
-          </p:nvPr>
-        </p:nvSpPr>
-        <p:spPr>
-          <a:xfrm>
-            <a:off x="381000" y="685800"/>
-            <a:ext cx="6096000" cy="3429000"/>
-          </a:xfrm>
-          <a:custGeom>
-            <a:avLst/>
-            <a:gdLst/>
-            <a:ahLst/>
-            <a:cxnLst/>
-            <a:rect l="0" t="0" r="0" b="0"/>
-            <a:pathLst>
-              <a:path w="120000" h="120000" extrusionOk="0">
-                <a:moveTo>
-                  <a:pt x="0" y="0"/>
-                </a:moveTo>
-                <a:lnTo>
-                  <a:pt x="120000" y="0"/>
-                </a:lnTo>
-                <a:lnTo>
-                  <a:pt x="120000" y="120000"/>
-                </a:lnTo>
-                <a:lnTo>
-                  <a:pt x="0" y="120000"/>
-                </a:lnTo>
-                <a:close/>
-              </a:path>
-            </a:pathLst>
-          </a:custGeom>
-        </p:spPr>
-      </p:sp>
-    </p:spTree>
     <p:extLst>
       <p:ext uri="{BB962C8B-B14F-4D97-AF65-F5344CB8AC3E}">
         <p14:creationId xmlns:p14="http://schemas.microsoft.com/office/powerpoint/2010/main" val="59826731"/>
@@ -747,115 +638,7 @@
 </p:notes>
 </file>
 
-<file path=ppt/notesSlides/notesSlide3.xml><?xml version="1.0" encoding="utf-8"?>
-<p:notes xmlns:a="http://schemas.openxmlformats.org/drawingml/2006/main" xmlns:r="http://schemas.openxmlformats.org/officeDocument/2006/relationships" xmlns:p="http://schemas.openxmlformats.org/presentationml/2006/main" showMasterSp="0" showMasterPhAnim="0">
-  <p:cSld>
-    <p:spTree>
-      <p:nvGrpSpPr>
-        <p:cNvPr id="1" name="Shape 106"/>
-        <p:cNvGrpSpPr/>
-        <p:nvPr/>
-      </p:nvGrpSpPr>
-      <p:grpSpPr>
-        <a:xfrm>
-          <a:off x="0" y="0"/>
-          <a:ext cx="0" cy="0"/>
-          <a:chOff x="0" y="0"/>
-          <a:chExt cx="0" cy="0"/>
-        </a:xfrm>
-      </p:grpSpPr>
-      <p:sp>
-        <p:nvSpPr>
-          <p:cNvPr id="107" name="Shape 107"/>
-          <p:cNvSpPr txBox="1">
-            <a:spLocks noGrp="1"/>
-          </p:cNvSpPr>
-          <p:nvPr>
-            <p:ph type="body" idx="1"/>
-          </p:nvPr>
-        </p:nvSpPr>
-        <p:spPr>
-          <a:xfrm>
-            <a:off x="685800" y="4343400"/>
-            <a:ext cx="5486400" cy="4114800"/>
-          </a:xfrm>
-          <a:prstGeom prst="rect">
-            <a:avLst/>
-          </a:prstGeom>
-          <a:noFill/>
-          <a:ln>
-            <a:noFill/>
-          </a:ln>
-        </p:spPr>
-        <p:txBody>
-          <a:bodyPr spcFirstLastPara="1" wrap="square" lIns="91425" tIns="91425" rIns="91425" bIns="91425" anchor="ctr" anchorCtr="0">
-            <a:noAutofit/>
-          </a:bodyPr>
-          <a:lstStyle/>
-          <a:p>
-            <a:pPr marL="0" lvl="0" indent="0" rtl="0">
-              <a:spcBef>
-                <a:spcPts val="0"/>
-              </a:spcBef>
-              <a:spcAft>
-                <a:spcPts val="0"/>
-              </a:spcAft>
-              <a:buNone/>
-            </a:pPr>
-            <a:endParaRPr/>
-          </a:p>
-        </p:txBody>
-      </p:sp>
-      <p:sp>
-        <p:nvSpPr>
-          <p:cNvPr id="108" name="Shape 108"/>
-          <p:cNvSpPr>
-            <a:spLocks noGrp="1" noRot="1" noChangeAspect="1"/>
-          </p:cNvSpPr>
-          <p:nvPr>
-            <p:ph type="sldImg" idx="2"/>
-          </p:nvPr>
-        </p:nvSpPr>
-        <p:spPr>
-          <a:xfrm>
-            <a:off x="1143225" y="685800"/>
-            <a:ext cx="4572300" cy="3429000"/>
-          </a:xfrm>
-          <a:custGeom>
-            <a:avLst/>
-            <a:gdLst/>
-            <a:ahLst/>
-            <a:cxnLst/>
-            <a:rect l="0" t="0" r="0" b="0"/>
-            <a:pathLst>
-              <a:path w="120000" h="120000" extrusionOk="0">
-                <a:moveTo>
-                  <a:pt x="0" y="0"/>
-                </a:moveTo>
-                <a:lnTo>
-                  <a:pt x="120000" y="0"/>
-                </a:lnTo>
-                <a:lnTo>
-                  <a:pt x="120000" y="120000"/>
-                </a:lnTo>
-                <a:lnTo>
-                  <a:pt x="0" y="120000"/>
-                </a:lnTo>
-                <a:close/>
-              </a:path>
-            </a:pathLst>
-          </a:custGeom>
-        </p:spPr>
-      </p:sp>
-    </p:spTree>
-  </p:cSld>
-  <p:clrMapOvr>
-    <a:masterClrMapping/>
-  </p:clrMapOvr>
-</p:notes>
-</file>
-
-<file path=ppt/notesSlides/notesSlide4.xml><?xml version="1.0" encoding="utf-8"?>
+<file path=ppt/notesSlides/notesSlide2.xml><?xml version="1.0" encoding="utf-8"?>
 <p:notes xmlns:a="http://schemas.openxmlformats.org/drawingml/2006/main" xmlns:r="http://schemas.openxmlformats.org/officeDocument/2006/relationships" xmlns:p="http://schemas.openxmlformats.org/presentationml/2006/main" showMasterSp="0" showMasterPhAnim="0">
   <p:cSld>
     <p:spTree>
@@ -13220,1156 +13003,6 @@
       </p:grpSpPr>
       <p:sp>
         <p:nvSpPr>
-          <p:cNvPr id="84" name="Shape 84"/>
-          <p:cNvSpPr/>
-          <p:nvPr/>
-        </p:nvSpPr>
-        <p:spPr>
-          <a:xfrm>
-            <a:off x="2147363" y="631550"/>
-            <a:ext cx="1094100" cy="984600"/>
-          </a:xfrm>
-          <a:prstGeom prst="cloudCallout">
-            <a:avLst>
-              <a:gd name="adj1" fmla="val 68780"/>
-              <a:gd name="adj2" fmla="val 108942"/>
-            </a:avLst>
-          </a:prstGeom>
-          <a:solidFill>
-            <a:schemeClr val="accent1"/>
-          </a:solidFill>
-          <a:ln w="12700" cap="flat" cmpd="sng">
-            <a:solidFill>
-              <a:srgbClr val="31538F"/>
-            </a:solidFill>
-            <a:prstDash val="solid"/>
-            <a:miter lim="800000"/>
-            <a:headEnd type="none" w="med" len="med"/>
-            <a:tailEnd type="none" w="med" len="med"/>
-          </a:ln>
-        </p:spPr>
-        <p:txBody>
-          <a:bodyPr spcFirstLastPara="1" wrap="square" lIns="91425" tIns="45700" rIns="91425" bIns="45700" anchor="ctr" anchorCtr="0">
-            <a:noAutofit/>
-          </a:bodyPr>
-          <a:lstStyle/>
-          <a:p>
-            <a:pPr marL="0" marR="0" lvl="0" indent="0" algn="ctr" rtl="0">
-              <a:spcBef>
-                <a:spcPts val="0"/>
-              </a:spcBef>
-              <a:spcAft>
-                <a:spcPts val="0"/>
-              </a:spcAft>
-              <a:buNone/>
-            </a:pPr>
-            <a:endParaRPr sz="1800" b="0" i="0" u="none" strike="noStrike" cap="none">
-              <a:solidFill>
-                <a:schemeClr val="lt1"/>
-              </a:solidFill>
-              <a:latin typeface="Calibri"/>
-              <a:ea typeface="Calibri"/>
-              <a:cs typeface="Calibri"/>
-              <a:sym typeface="Calibri"/>
-            </a:endParaRPr>
-          </a:p>
-        </p:txBody>
-      </p:sp>
-      <p:pic>
-        <p:nvPicPr>
-          <p:cNvPr id="85" name="Shape 85"/>
-          <p:cNvPicPr preferRelativeResize="0"/>
-          <p:nvPr/>
-        </p:nvPicPr>
-        <p:blipFill rotWithShape="1">
-          <a:blip r:embed="rId3">
-            <a:alphaModFix/>
-          </a:blip>
-          <a:srcRect/>
-          <a:stretch/>
-        </p:blipFill>
-        <p:spPr>
-          <a:xfrm>
-            <a:off x="3467450" y="2290750"/>
-            <a:ext cx="1193734" cy="984600"/>
-          </a:xfrm>
-          <a:prstGeom prst="rect">
-            <a:avLst/>
-          </a:prstGeom>
-          <a:noFill/>
-          <a:ln>
-            <a:noFill/>
-          </a:ln>
-        </p:spPr>
-      </p:pic>
-      <p:sp>
-        <p:nvSpPr>
-          <p:cNvPr id="86" name="Shape 86"/>
-          <p:cNvSpPr/>
-          <p:nvPr/>
-        </p:nvSpPr>
-        <p:spPr>
-          <a:xfrm>
-            <a:off x="4873949" y="2469025"/>
-            <a:ext cx="3066300" cy="234000"/>
-          </a:xfrm>
-          <a:prstGeom prst="rightArrow">
-            <a:avLst>
-              <a:gd name="adj1" fmla="val 50000"/>
-              <a:gd name="adj2" fmla="val 50000"/>
-            </a:avLst>
-          </a:prstGeom>
-          <a:solidFill>
-            <a:schemeClr val="lt1"/>
-          </a:solidFill>
-          <a:ln w="12700" cap="flat" cmpd="sng">
-            <a:solidFill>
-              <a:schemeClr val="accent3"/>
-            </a:solidFill>
-            <a:prstDash val="solid"/>
-            <a:miter lim="800000"/>
-            <a:headEnd type="none" w="med" len="med"/>
-            <a:tailEnd type="none" w="med" len="med"/>
-          </a:ln>
-        </p:spPr>
-        <p:txBody>
-          <a:bodyPr spcFirstLastPara="1" wrap="square" lIns="91425" tIns="45700" rIns="91425" bIns="45700" anchor="ctr" anchorCtr="0">
-            <a:noAutofit/>
-          </a:bodyPr>
-          <a:lstStyle/>
-          <a:p>
-            <a:pPr marL="0" marR="0" lvl="0" indent="0" algn="ctr" rtl="0">
-              <a:spcBef>
-                <a:spcPts val="0"/>
-              </a:spcBef>
-              <a:spcAft>
-                <a:spcPts val="0"/>
-              </a:spcAft>
-              <a:buNone/>
-            </a:pPr>
-            <a:endParaRPr sz="1800" b="0" i="0" u="none" strike="noStrike" cap="none">
-              <a:solidFill>
-                <a:schemeClr val="dk1"/>
-              </a:solidFill>
-              <a:latin typeface="Calibri"/>
-              <a:ea typeface="Calibri"/>
-              <a:cs typeface="Calibri"/>
-              <a:sym typeface="Calibri"/>
-            </a:endParaRPr>
-          </a:p>
-        </p:txBody>
-      </p:sp>
-      <p:sp>
-        <p:nvSpPr>
-          <p:cNvPr id="87" name="Shape 87"/>
-          <p:cNvSpPr/>
-          <p:nvPr/>
-        </p:nvSpPr>
-        <p:spPr>
-          <a:xfrm rot="10800000">
-            <a:off x="4878900" y="2799100"/>
-            <a:ext cx="3056400" cy="234000"/>
-          </a:xfrm>
-          <a:prstGeom prst="rightArrow">
-            <a:avLst>
-              <a:gd name="adj1" fmla="val 50000"/>
-              <a:gd name="adj2" fmla="val 50000"/>
-            </a:avLst>
-          </a:prstGeom>
-          <a:solidFill>
-            <a:schemeClr val="lt1"/>
-          </a:solidFill>
-          <a:ln w="12700" cap="flat" cmpd="sng">
-            <a:solidFill>
-              <a:schemeClr val="accent3"/>
-            </a:solidFill>
-            <a:prstDash val="solid"/>
-            <a:miter lim="800000"/>
-            <a:headEnd type="none" w="med" len="med"/>
-            <a:tailEnd type="none" w="med" len="med"/>
-          </a:ln>
-        </p:spPr>
-        <p:txBody>
-          <a:bodyPr spcFirstLastPara="1" wrap="square" lIns="91425" tIns="45700" rIns="91425" bIns="45700" anchor="ctr" anchorCtr="0">
-            <a:noAutofit/>
-          </a:bodyPr>
-          <a:lstStyle/>
-          <a:p>
-            <a:pPr marL="0" marR="0" lvl="0" indent="0" algn="ctr" rtl="0">
-              <a:spcBef>
-                <a:spcPts val="0"/>
-              </a:spcBef>
-              <a:spcAft>
-                <a:spcPts val="0"/>
-              </a:spcAft>
-              <a:buNone/>
-            </a:pPr>
-            <a:endParaRPr sz="1800" b="0" i="0" u="none" strike="noStrike" cap="none">
-              <a:solidFill>
-                <a:schemeClr val="dk1"/>
-              </a:solidFill>
-              <a:latin typeface="Calibri"/>
-              <a:ea typeface="Calibri"/>
-              <a:cs typeface="Calibri"/>
-              <a:sym typeface="Calibri"/>
-            </a:endParaRPr>
-          </a:p>
-        </p:txBody>
-      </p:sp>
-      <p:sp>
-        <p:nvSpPr>
-          <p:cNvPr id="88" name="Shape 88"/>
-          <p:cNvSpPr/>
-          <p:nvPr/>
-        </p:nvSpPr>
-        <p:spPr>
-          <a:xfrm>
-            <a:off x="5795850" y="3129175"/>
-            <a:ext cx="1222500" cy="296400"/>
-          </a:xfrm>
-          <a:prstGeom prst="rect">
-            <a:avLst/>
-          </a:prstGeom>
-          <a:gradFill>
-            <a:gsLst>
-              <a:gs pos="0">
-                <a:srgbClr val="9A9A9A"/>
-              </a:gs>
-              <a:gs pos="50000">
-                <a:srgbClr val="8D8D8D"/>
-              </a:gs>
-              <a:gs pos="100000">
-                <a:srgbClr val="787878"/>
-              </a:gs>
-            </a:gsLst>
-            <a:lin ang="5400000" scaled="0"/>
-          </a:gradFill>
-          <a:ln w="9525" cap="flat" cmpd="sng">
-            <a:solidFill>
-              <a:schemeClr val="dk1"/>
-            </a:solidFill>
-            <a:prstDash val="solid"/>
-            <a:miter lim="800000"/>
-            <a:headEnd type="none" w="med" len="med"/>
-            <a:tailEnd type="none" w="med" len="med"/>
-          </a:ln>
-        </p:spPr>
-        <p:txBody>
-          <a:bodyPr spcFirstLastPara="1" wrap="square" lIns="91425" tIns="45700" rIns="91425" bIns="45700" anchor="ctr" anchorCtr="0">
-            <a:noAutofit/>
-          </a:bodyPr>
-          <a:lstStyle/>
-          <a:p>
-            <a:pPr marL="0" marR="0" lvl="0" indent="0" algn="ctr" rtl="0">
-              <a:spcBef>
-                <a:spcPts val="0"/>
-              </a:spcBef>
-              <a:spcAft>
-                <a:spcPts val="0"/>
-              </a:spcAft>
-              <a:buNone/>
-            </a:pPr>
-            <a:r>
-              <a:rPr lang="fr-FR" sz="2000" b="1" i="0" u="none" strike="noStrike" cap="none">
-                <a:solidFill>
-                  <a:schemeClr val="dk1"/>
-                </a:solidFill>
-                <a:latin typeface="Calibri"/>
-                <a:ea typeface="Calibri"/>
-                <a:cs typeface="Calibri"/>
-                <a:sym typeface="Calibri"/>
-              </a:rPr>
-              <a:t>Dialogue</a:t>
-            </a:r>
-            <a:endParaRPr/>
-          </a:p>
-        </p:txBody>
-      </p:sp>
-      <p:pic>
-        <p:nvPicPr>
-          <p:cNvPr id="89" name="Shape 89"/>
-          <p:cNvPicPr preferRelativeResize="0"/>
-          <p:nvPr/>
-        </p:nvPicPr>
-        <p:blipFill rotWithShape="1">
-          <a:blip r:embed="rId4">
-            <a:alphaModFix/>
-          </a:blip>
-          <a:srcRect/>
-          <a:stretch/>
-        </p:blipFill>
-        <p:spPr>
-          <a:xfrm>
-            <a:off x="8234527" y="2304047"/>
-            <a:ext cx="1326947" cy="957998"/>
-          </a:xfrm>
-          <a:prstGeom prst="rect">
-            <a:avLst/>
-          </a:prstGeom>
-          <a:noFill/>
-          <a:ln w="9525" cap="flat" cmpd="sng">
-            <a:solidFill>
-              <a:srgbClr val="548135"/>
-            </a:solidFill>
-            <a:prstDash val="solid"/>
-            <a:round/>
-            <a:headEnd type="none" w="med" len="med"/>
-            <a:tailEnd type="none" w="med" len="med"/>
-          </a:ln>
-        </p:spPr>
-      </p:pic>
-      <p:sp>
-        <p:nvSpPr>
-          <p:cNvPr id="90" name="Shape 90"/>
-          <p:cNvSpPr/>
-          <p:nvPr/>
-        </p:nvSpPr>
-        <p:spPr>
-          <a:xfrm>
-            <a:off x="9666075" y="395200"/>
-            <a:ext cx="891000" cy="1286400"/>
-          </a:xfrm>
-          <a:prstGeom prst="cloudCallout">
-            <a:avLst>
-              <a:gd name="adj1" fmla="val -73490"/>
-              <a:gd name="adj2" fmla="val 96185"/>
-            </a:avLst>
-          </a:prstGeom>
-          <a:solidFill>
-            <a:schemeClr val="accent3"/>
-          </a:solidFill>
-          <a:ln w="12700" cap="flat" cmpd="sng">
-            <a:solidFill>
-              <a:srgbClr val="787878"/>
-            </a:solidFill>
-            <a:prstDash val="solid"/>
-            <a:miter lim="800000"/>
-            <a:headEnd type="none" w="med" len="med"/>
-            <a:tailEnd type="none" w="med" len="med"/>
-          </a:ln>
-        </p:spPr>
-        <p:txBody>
-          <a:bodyPr spcFirstLastPara="1" wrap="square" lIns="91425" tIns="45700" rIns="91425" bIns="45700" anchor="ctr" anchorCtr="0">
-            <a:noAutofit/>
-          </a:bodyPr>
-          <a:lstStyle/>
-          <a:p>
-            <a:pPr marL="0" marR="0" lvl="0" indent="0" algn="ctr" rtl="0">
-              <a:spcBef>
-                <a:spcPts val="0"/>
-              </a:spcBef>
-              <a:spcAft>
-                <a:spcPts val="0"/>
-              </a:spcAft>
-              <a:buNone/>
-            </a:pPr>
-            <a:endParaRPr sz="1800" b="0" i="0" u="none" strike="noStrike" cap="none">
-              <a:solidFill>
-                <a:schemeClr val="lt1"/>
-              </a:solidFill>
-              <a:latin typeface="Calibri"/>
-              <a:ea typeface="Calibri"/>
-              <a:cs typeface="Calibri"/>
-              <a:sym typeface="Calibri"/>
-            </a:endParaRPr>
-          </a:p>
-        </p:txBody>
-      </p:sp>
-      <p:sp>
-        <p:nvSpPr>
-          <p:cNvPr id="91" name="Shape 91"/>
-          <p:cNvSpPr/>
-          <p:nvPr/>
-        </p:nvSpPr>
-        <p:spPr>
-          <a:xfrm>
-            <a:off x="9612350" y="689375"/>
-            <a:ext cx="1565700" cy="1023300"/>
-          </a:xfrm>
-          <a:prstGeom prst="rect">
-            <a:avLst/>
-          </a:prstGeom>
-          <a:solidFill>
-            <a:schemeClr val="lt1"/>
-          </a:solidFill>
-          <a:ln w="12700" cap="flat" cmpd="sng">
-            <a:solidFill>
-              <a:schemeClr val="accent3"/>
-            </a:solidFill>
-            <a:prstDash val="solid"/>
-            <a:miter lim="800000"/>
-            <a:headEnd type="none" w="med" len="med"/>
-            <a:tailEnd type="none" w="med" len="med"/>
-          </a:ln>
-        </p:spPr>
-        <p:txBody>
-          <a:bodyPr spcFirstLastPara="1" wrap="square" lIns="91425" tIns="45700" rIns="91425" bIns="45700" anchor="ctr" anchorCtr="0">
-            <a:noAutofit/>
-          </a:bodyPr>
-          <a:lstStyle/>
-          <a:p>
-            <a:pPr marL="0" marR="0" lvl="0" indent="0" algn="ctr" rtl="0">
-              <a:spcBef>
-                <a:spcPts val="0"/>
-              </a:spcBef>
-              <a:spcAft>
-                <a:spcPts val="0"/>
-              </a:spcAft>
-              <a:buNone/>
-            </a:pPr>
-            <a:endParaRPr sz="1600" b="0" i="0" u="none" strike="noStrike" cap="none">
-              <a:solidFill>
-                <a:schemeClr val="dk1"/>
-              </a:solidFill>
-              <a:latin typeface="Calibri"/>
-              <a:ea typeface="Calibri"/>
-              <a:cs typeface="Calibri"/>
-              <a:sym typeface="Calibri"/>
-            </a:endParaRPr>
-          </a:p>
-        </p:txBody>
-      </p:sp>
-      <p:sp>
-        <p:nvSpPr>
-          <p:cNvPr id="92" name="Shape 92"/>
-          <p:cNvSpPr/>
-          <p:nvPr/>
-        </p:nvSpPr>
-        <p:spPr>
-          <a:xfrm>
-            <a:off x="9612350" y="319000"/>
-            <a:ext cx="1565700" cy="375900"/>
-          </a:xfrm>
-          <a:prstGeom prst="rect">
-            <a:avLst/>
-          </a:prstGeom>
-          <a:solidFill>
-            <a:schemeClr val="accent3"/>
-          </a:solidFill>
-          <a:ln w="19050" cap="flat" cmpd="sng">
-            <a:solidFill>
-              <a:schemeClr val="accent3"/>
-            </a:solidFill>
-            <a:prstDash val="solid"/>
-            <a:miter lim="800000"/>
-            <a:headEnd type="none" w="med" len="med"/>
-            <a:tailEnd type="none" w="med" len="med"/>
-          </a:ln>
-        </p:spPr>
-        <p:txBody>
-          <a:bodyPr spcFirstLastPara="1" wrap="square" lIns="91425" tIns="45700" rIns="91425" bIns="45700" anchor="ctr" anchorCtr="0">
-            <a:noAutofit/>
-          </a:bodyPr>
-          <a:lstStyle/>
-          <a:p>
-            <a:pPr marL="0" marR="0" lvl="0" indent="0" algn="ctr" rtl="0">
-              <a:spcBef>
-                <a:spcPts val="0"/>
-              </a:spcBef>
-              <a:spcAft>
-                <a:spcPts val="0"/>
-              </a:spcAft>
-              <a:buNone/>
-            </a:pPr>
-            <a:r>
-              <a:rPr lang="fr-FR" sz="1800" b="1" i="0" u="none" strike="noStrike" cap="none">
-                <a:solidFill>
-                  <a:schemeClr val="lt1"/>
-                </a:solidFill>
-                <a:latin typeface="Calibri"/>
-                <a:ea typeface="Calibri"/>
-                <a:cs typeface="Calibri"/>
-                <a:sym typeface="Calibri"/>
-              </a:rPr>
-              <a:t>Mental model</a:t>
-            </a:r>
-            <a:endParaRPr/>
-          </a:p>
-        </p:txBody>
-      </p:sp>
-      <p:sp>
-        <p:nvSpPr>
-          <p:cNvPr id="93" name="Shape 93"/>
-          <p:cNvSpPr/>
-          <p:nvPr/>
-        </p:nvSpPr>
-        <p:spPr>
-          <a:xfrm>
-            <a:off x="389100" y="254575"/>
-            <a:ext cx="8173800" cy="1392000"/>
-          </a:xfrm>
-          <a:prstGeom prst="rect">
-            <a:avLst/>
-          </a:prstGeom>
-          <a:solidFill>
-            <a:schemeClr val="lt1"/>
-          </a:solidFill>
-          <a:ln w="12700" cap="flat" cmpd="sng">
-            <a:solidFill>
-              <a:schemeClr val="accent6"/>
-            </a:solidFill>
-            <a:prstDash val="solid"/>
-            <a:miter lim="800000"/>
-            <a:headEnd type="none" w="med" len="med"/>
-            <a:tailEnd type="none" w="med" len="med"/>
-          </a:ln>
-        </p:spPr>
-        <p:txBody>
-          <a:bodyPr spcFirstLastPara="1" wrap="square" lIns="91425" tIns="45700" rIns="91425" bIns="45700" anchor="ctr" anchorCtr="0">
-            <a:noAutofit/>
-          </a:bodyPr>
-          <a:lstStyle/>
-          <a:p>
-            <a:pPr marL="0" marR="0" lvl="0" indent="0" algn="ctr" rtl="0">
-              <a:spcBef>
-                <a:spcPts val="0"/>
-              </a:spcBef>
-              <a:spcAft>
-                <a:spcPts val="0"/>
-              </a:spcAft>
-              <a:buNone/>
-            </a:pPr>
-            <a:endParaRPr sz="1800" b="0" i="0" u="none" strike="noStrike" cap="none">
-              <a:solidFill>
-                <a:schemeClr val="dk1"/>
-              </a:solidFill>
-              <a:latin typeface="Calibri"/>
-              <a:ea typeface="Calibri"/>
-              <a:cs typeface="Calibri"/>
-              <a:sym typeface="Calibri"/>
-            </a:endParaRPr>
-          </a:p>
-        </p:txBody>
-      </p:sp>
-      <p:sp>
-        <p:nvSpPr>
-          <p:cNvPr id="94" name="Shape 94"/>
-          <p:cNvSpPr/>
-          <p:nvPr/>
-        </p:nvSpPr>
-        <p:spPr>
-          <a:xfrm>
-            <a:off x="406775" y="254575"/>
-            <a:ext cx="2640300" cy="347100"/>
-          </a:xfrm>
-          <a:prstGeom prst="rect">
-            <a:avLst/>
-          </a:prstGeom>
-          <a:solidFill>
-            <a:schemeClr val="accent6"/>
-          </a:solidFill>
-          <a:ln w="19050" cap="flat" cmpd="sng">
-            <a:solidFill>
-              <a:schemeClr val="accent6"/>
-            </a:solidFill>
-            <a:prstDash val="solid"/>
-            <a:miter lim="800000"/>
-            <a:headEnd type="none" w="med" len="med"/>
-            <a:tailEnd type="none" w="med" len="med"/>
-          </a:ln>
-        </p:spPr>
-        <p:txBody>
-          <a:bodyPr spcFirstLastPara="1" wrap="square" lIns="91425" tIns="45700" rIns="91425" bIns="45700" anchor="ctr" anchorCtr="0">
-            <a:noAutofit/>
-          </a:bodyPr>
-          <a:lstStyle/>
-          <a:p>
-            <a:pPr marL="0" marR="0" lvl="0" indent="0" algn="ctr" rtl="0">
-              <a:spcBef>
-                <a:spcPts val="0"/>
-              </a:spcBef>
-              <a:spcAft>
-                <a:spcPts val="0"/>
-              </a:spcAft>
-              <a:buNone/>
-            </a:pPr>
-            <a:r>
-              <a:rPr lang="fr-FR" sz="2000" b="1" i="0" u="none" strike="noStrike" cap="none">
-                <a:solidFill>
-                  <a:schemeClr val="lt1"/>
-                </a:solidFill>
-                <a:latin typeface="Calibri"/>
-                <a:ea typeface="Calibri"/>
-                <a:cs typeface="Calibri"/>
-                <a:sym typeface="Calibri"/>
-              </a:rPr>
-              <a:t>Model of other (ToM)</a:t>
-            </a:r>
-            <a:endParaRPr/>
-          </a:p>
-        </p:txBody>
-      </p:sp>
-      <p:sp>
-        <p:nvSpPr>
-          <p:cNvPr id="95" name="Shape 95"/>
-          <p:cNvSpPr/>
-          <p:nvPr/>
-        </p:nvSpPr>
-        <p:spPr>
-          <a:xfrm>
-            <a:off x="832775" y="827050"/>
-            <a:ext cx="1420500" cy="375900"/>
-          </a:xfrm>
-          <a:prstGeom prst="rect">
-            <a:avLst/>
-          </a:prstGeom>
-          <a:solidFill>
-            <a:srgbClr val="F3F3F3"/>
-          </a:solidFill>
-          <a:ln w="9525" cap="flat" cmpd="sng">
-            <a:solidFill>
-              <a:schemeClr val="accent6"/>
-            </a:solidFill>
-            <a:prstDash val="solid"/>
-            <a:round/>
-            <a:headEnd type="none" w="med" len="med"/>
-            <a:tailEnd type="none" w="med" len="med"/>
-          </a:ln>
-        </p:spPr>
-        <p:txBody>
-          <a:bodyPr spcFirstLastPara="1" wrap="square" lIns="91425" tIns="91425" rIns="91425" bIns="91425" anchor="ctr" anchorCtr="0">
-            <a:noAutofit/>
-          </a:bodyPr>
-          <a:lstStyle/>
-          <a:p>
-            <a:pPr marL="0" lvl="0" indent="0">
-              <a:spcBef>
-                <a:spcPts val="0"/>
-              </a:spcBef>
-              <a:spcAft>
-                <a:spcPts val="0"/>
-              </a:spcAft>
-              <a:buNone/>
-            </a:pPr>
-            <a:endParaRPr/>
-          </a:p>
-        </p:txBody>
-      </p:sp>
-      <p:sp>
-        <p:nvSpPr>
-          <p:cNvPr id="96" name="Shape 96"/>
-          <p:cNvSpPr/>
-          <p:nvPr/>
-        </p:nvSpPr>
-        <p:spPr>
-          <a:xfrm>
-            <a:off x="985175" y="935909"/>
-            <a:ext cx="1420500" cy="375900"/>
-          </a:xfrm>
-          <a:prstGeom prst="rect">
-            <a:avLst/>
-          </a:prstGeom>
-          <a:solidFill>
-            <a:srgbClr val="F3F3F3"/>
-          </a:solidFill>
-          <a:ln w="9525" cap="flat" cmpd="sng">
-            <a:solidFill>
-              <a:schemeClr val="accent6"/>
-            </a:solidFill>
-            <a:prstDash val="solid"/>
-            <a:round/>
-            <a:headEnd type="none" w="med" len="med"/>
-            <a:tailEnd type="none" w="med" len="med"/>
-          </a:ln>
-        </p:spPr>
-        <p:txBody>
-          <a:bodyPr spcFirstLastPara="1" wrap="square" lIns="91425" tIns="91425" rIns="91425" bIns="91425" anchor="ctr" anchorCtr="0">
-            <a:noAutofit/>
-          </a:bodyPr>
-          <a:lstStyle/>
-          <a:p>
-            <a:pPr marL="0" lvl="0" indent="0" rtl="0">
-              <a:spcBef>
-                <a:spcPts val="0"/>
-              </a:spcBef>
-              <a:spcAft>
-                <a:spcPts val="0"/>
-              </a:spcAft>
-              <a:buNone/>
-            </a:pPr>
-            <a:endParaRPr/>
-          </a:p>
-        </p:txBody>
-      </p:sp>
-      <p:sp>
-        <p:nvSpPr>
-          <p:cNvPr id="97" name="Shape 97"/>
-          <p:cNvSpPr/>
-          <p:nvPr/>
-        </p:nvSpPr>
-        <p:spPr>
-          <a:xfrm>
-            <a:off x="1137575" y="1044768"/>
-            <a:ext cx="1420500" cy="375900"/>
-          </a:xfrm>
-          <a:prstGeom prst="rect">
-            <a:avLst/>
-          </a:prstGeom>
-          <a:solidFill>
-            <a:srgbClr val="F3F3F3"/>
-          </a:solidFill>
-          <a:ln w="9525" cap="flat" cmpd="sng">
-            <a:solidFill>
-              <a:schemeClr val="accent6"/>
-            </a:solidFill>
-            <a:prstDash val="solid"/>
-            <a:round/>
-            <a:headEnd type="none" w="med" len="med"/>
-            <a:tailEnd type="none" w="med" len="med"/>
-          </a:ln>
-        </p:spPr>
-        <p:txBody>
-          <a:bodyPr spcFirstLastPara="1" wrap="square" lIns="91425" tIns="91425" rIns="91425" bIns="91425" anchor="ctr" anchorCtr="0">
-            <a:noAutofit/>
-          </a:bodyPr>
-          <a:lstStyle/>
-          <a:p>
-            <a:pPr marL="0" lvl="0" indent="0" rtl="0">
-              <a:spcBef>
-                <a:spcPts val="0"/>
-              </a:spcBef>
-              <a:spcAft>
-                <a:spcPts val="0"/>
-              </a:spcAft>
-              <a:buNone/>
-            </a:pPr>
-            <a:endParaRPr/>
-          </a:p>
-        </p:txBody>
-      </p:sp>
-      <p:sp>
-        <p:nvSpPr>
-          <p:cNvPr id="98" name="Shape 98"/>
-          <p:cNvSpPr/>
-          <p:nvPr/>
-        </p:nvSpPr>
-        <p:spPr>
-          <a:xfrm>
-            <a:off x="1289975" y="1153628"/>
-            <a:ext cx="1420500" cy="375900"/>
-          </a:xfrm>
-          <a:prstGeom prst="rect">
-            <a:avLst/>
-          </a:prstGeom>
-          <a:solidFill>
-            <a:srgbClr val="F3F3F3"/>
-          </a:solidFill>
-          <a:ln w="9525" cap="flat" cmpd="sng">
-            <a:solidFill>
-              <a:schemeClr val="accent6"/>
-            </a:solidFill>
-            <a:prstDash val="solid"/>
-            <a:round/>
-            <a:headEnd type="none" w="med" len="med"/>
-            <a:tailEnd type="none" w="med" len="med"/>
-          </a:ln>
-        </p:spPr>
-        <p:txBody>
-          <a:bodyPr spcFirstLastPara="1" wrap="square" lIns="91425" tIns="91425" rIns="91425" bIns="91425" anchor="ctr" anchorCtr="0">
-            <a:noAutofit/>
-          </a:bodyPr>
-          <a:lstStyle/>
-          <a:p>
-            <a:pPr marL="0" lvl="0" indent="0" rtl="0">
-              <a:spcBef>
-                <a:spcPts val="0"/>
-              </a:spcBef>
-              <a:spcAft>
-                <a:spcPts val="0"/>
-              </a:spcAft>
-              <a:buNone/>
-            </a:pPr>
-            <a:r>
-              <a:rPr lang="fr-FR"/>
-              <a:t>Model of other</a:t>
-            </a:r>
-            <a:endParaRPr/>
-          </a:p>
-        </p:txBody>
-      </p:sp>
-      <p:sp>
-        <p:nvSpPr>
-          <p:cNvPr id="99" name="Shape 99"/>
-          <p:cNvSpPr/>
-          <p:nvPr/>
-        </p:nvSpPr>
-        <p:spPr>
-          <a:xfrm>
-            <a:off x="2880700" y="1026075"/>
-            <a:ext cx="824700" cy="375900"/>
-          </a:xfrm>
-          <a:prstGeom prst="rightArrow">
-            <a:avLst>
-              <a:gd name="adj1" fmla="val 50000"/>
-              <a:gd name="adj2" fmla="val 50000"/>
-            </a:avLst>
-          </a:prstGeom>
-          <a:solidFill>
-            <a:schemeClr val="lt1"/>
-          </a:solidFill>
-          <a:ln w="12700" cap="flat" cmpd="sng">
-            <a:solidFill>
-              <a:schemeClr val="accent6"/>
-            </a:solidFill>
-            <a:prstDash val="solid"/>
-            <a:miter lim="8000"/>
-            <a:headEnd type="none" w="med" len="med"/>
-            <a:tailEnd type="none" w="med" len="med"/>
-          </a:ln>
-        </p:spPr>
-        <p:txBody>
-          <a:bodyPr spcFirstLastPara="1" wrap="square" lIns="91425" tIns="91425" rIns="91425" bIns="91425" anchor="ctr" anchorCtr="0">
-            <a:noAutofit/>
-          </a:bodyPr>
-          <a:lstStyle/>
-          <a:p>
-            <a:pPr marL="0" lvl="0" indent="0">
-              <a:spcBef>
-                <a:spcPts val="0"/>
-              </a:spcBef>
-              <a:spcAft>
-                <a:spcPts val="0"/>
-              </a:spcAft>
-              <a:buNone/>
-            </a:pPr>
-            <a:endParaRPr/>
-          </a:p>
-        </p:txBody>
-      </p:sp>
-      <p:sp>
-        <p:nvSpPr>
-          <p:cNvPr id="100" name="Shape 100"/>
-          <p:cNvSpPr/>
-          <p:nvPr/>
-        </p:nvSpPr>
-        <p:spPr>
-          <a:xfrm>
-            <a:off x="3928050" y="947924"/>
-            <a:ext cx="1326900" cy="512100"/>
-          </a:xfrm>
-          <a:prstGeom prst="rect">
-            <a:avLst/>
-          </a:prstGeom>
-          <a:solidFill>
-            <a:schemeClr val="accent6"/>
-          </a:solidFill>
-          <a:ln w="9525" cap="flat" cmpd="sng">
-            <a:solidFill>
-              <a:schemeClr val="dk2"/>
-            </a:solidFill>
-            <a:prstDash val="solid"/>
-            <a:round/>
-            <a:headEnd type="none" w="med" len="med"/>
-            <a:tailEnd type="none" w="med" len="med"/>
-          </a:ln>
-        </p:spPr>
-        <p:txBody>
-          <a:bodyPr spcFirstLastPara="1" wrap="square" lIns="91425" tIns="91425" rIns="91425" bIns="91425" anchor="ctr" anchorCtr="0">
-            <a:noAutofit/>
-          </a:bodyPr>
-          <a:lstStyle/>
-          <a:p>
-            <a:pPr marL="0" lvl="0" indent="0" algn="ctr">
-              <a:spcBef>
-                <a:spcPts val="0"/>
-              </a:spcBef>
-              <a:spcAft>
-                <a:spcPts val="0"/>
-              </a:spcAft>
-              <a:buNone/>
-            </a:pPr>
-            <a:r>
-              <a:rPr lang="fr-FR" sz="1600">
-                <a:solidFill>
-                  <a:schemeClr val="lt1"/>
-                </a:solidFill>
-              </a:rPr>
-              <a:t>Decisional model</a:t>
-            </a:r>
-            <a:endParaRPr sz="1600">
-              <a:solidFill>
-                <a:schemeClr val="lt1"/>
-              </a:solidFill>
-            </a:endParaRPr>
-          </a:p>
-        </p:txBody>
-      </p:sp>
-      <p:sp>
-        <p:nvSpPr>
-          <p:cNvPr id="101" name="Shape 101"/>
-          <p:cNvSpPr/>
-          <p:nvPr/>
-        </p:nvSpPr>
-        <p:spPr>
-          <a:xfrm>
-            <a:off x="6320125" y="803200"/>
-            <a:ext cx="1363500" cy="325200"/>
-          </a:xfrm>
-          <a:prstGeom prst="roundRect">
-            <a:avLst>
-              <a:gd name="adj" fmla="val 16667"/>
-            </a:avLst>
-          </a:prstGeom>
-          <a:solidFill>
-            <a:schemeClr val="lt1"/>
-          </a:solidFill>
-          <a:ln w="12700" cap="flat" cmpd="sng">
-            <a:solidFill>
-              <a:schemeClr val="accent6"/>
-            </a:solidFill>
-            <a:prstDash val="solid"/>
-            <a:miter lim="8000"/>
-            <a:headEnd type="none" w="med" len="med"/>
-            <a:tailEnd type="none" w="med" len="med"/>
-          </a:ln>
-        </p:spPr>
-        <p:txBody>
-          <a:bodyPr spcFirstLastPara="1" wrap="square" lIns="91425" tIns="91425" rIns="91425" bIns="91425" anchor="ctr" anchorCtr="0">
-            <a:noAutofit/>
-          </a:bodyPr>
-          <a:lstStyle/>
-          <a:p>
-            <a:pPr marL="0" lvl="0" indent="0">
-              <a:spcBef>
-                <a:spcPts val="0"/>
-              </a:spcBef>
-              <a:spcAft>
-                <a:spcPts val="0"/>
-              </a:spcAft>
-              <a:buNone/>
-            </a:pPr>
-            <a:endParaRPr/>
-          </a:p>
-        </p:txBody>
-      </p:sp>
-      <p:sp>
-        <p:nvSpPr>
-          <p:cNvPr id="102" name="Shape 102"/>
-          <p:cNvSpPr/>
-          <p:nvPr/>
-        </p:nvSpPr>
-        <p:spPr>
-          <a:xfrm>
-            <a:off x="6572078" y="920808"/>
-            <a:ext cx="1363500" cy="325200"/>
-          </a:xfrm>
-          <a:prstGeom prst="roundRect">
-            <a:avLst>
-              <a:gd name="adj" fmla="val 16667"/>
-            </a:avLst>
-          </a:prstGeom>
-          <a:solidFill>
-            <a:schemeClr val="lt1"/>
-          </a:solidFill>
-          <a:ln w="12700" cap="flat" cmpd="sng">
-            <a:solidFill>
-              <a:schemeClr val="accent6"/>
-            </a:solidFill>
-            <a:prstDash val="solid"/>
-            <a:miter lim="8000"/>
-            <a:headEnd type="none" w="med" len="med"/>
-            <a:tailEnd type="none" w="med" len="med"/>
-          </a:ln>
-        </p:spPr>
-        <p:txBody>
-          <a:bodyPr spcFirstLastPara="1" wrap="square" lIns="91425" tIns="91425" rIns="91425" bIns="91425" anchor="ctr" anchorCtr="0">
-            <a:noAutofit/>
-          </a:bodyPr>
-          <a:lstStyle/>
-          <a:p>
-            <a:pPr marL="0" lvl="0" indent="0">
-              <a:spcBef>
-                <a:spcPts val="0"/>
-              </a:spcBef>
-              <a:spcAft>
-                <a:spcPts val="0"/>
-              </a:spcAft>
-              <a:buNone/>
-            </a:pPr>
-            <a:endParaRPr/>
-          </a:p>
-        </p:txBody>
-      </p:sp>
-      <p:sp>
-        <p:nvSpPr>
-          <p:cNvPr id="103" name="Shape 103"/>
-          <p:cNvSpPr/>
-          <p:nvPr/>
-        </p:nvSpPr>
-        <p:spPr>
-          <a:xfrm>
-            <a:off x="6824030" y="1038417"/>
-            <a:ext cx="1363500" cy="325200"/>
-          </a:xfrm>
-          <a:prstGeom prst="roundRect">
-            <a:avLst>
-              <a:gd name="adj" fmla="val 16667"/>
-            </a:avLst>
-          </a:prstGeom>
-          <a:solidFill>
-            <a:schemeClr val="lt1"/>
-          </a:solidFill>
-          <a:ln w="12700" cap="flat" cmpd="sng">
-            <a:solidFill>
-              <a:schemeClr val="accent6"/>
-            </a:solidFill>
-            <a:prstDash val="solid"/>
-            <a:miter lim="8000"/>
-            <a:headEnd type="none" w="med" len="med"/>
-            <a:tailEnd type="none" w="med" len="med"/>
-          </a:ln>
-        </p:spPr>
-        <p:txBody>
-          <a:bodyPr spcFirstLastPara="1" wrap="square" lIns="91425" tIns="91425" rIns="91425" bIns="91425" anchor="ctr" anchorCtr="0">
-            <a:noAutofit/>
-          </a:bodyPr>
-          <a:lstStyle/>
-          <a:p>
-            <a:pPr marL="0" lvl="0" indent="0">
-              <a:spcBef>
-                <a:spcPts val="0"/>
-              </a:spcBef>
-              <a:spcAft>
-                <a:spcPts val="0"/>
-              </a:spcAft>
-              <a:buNone/>
-            </a:pPr>
-            <a:endParaRPr/>
-          </a:p>
-        </p:txBody>
-      </p:sp>
-      <p:sp>
-        <p:nvSpPr>
-          <p:cNvPr id="104" name="Shape 104"/>
-          <p:cNvSpPr/>
-          <p:nvPr/>
-        </p:nvSpPr>
-        <p:spPr>
-          <a:xfrm>
-            <a:off x="7075983" y="1156025"/>
-            <a:ext cx="1363500" cy="325200"/>
-          </a:xfrm>
-          <a:prstGeom prst="roundRect">
-            <a:avLst>
-              <a:gd name="adj" fmla="val 16667"/>
-            </a:avLst>
-          </a:prstGeom>
-          <a:solidFill>
-            <a:schemeClr val="lt1"/>
-          </a:solidFill>
-          <a:ln w="12700" cap="flat" cmpd="sng">
-            <a:solidFill>
-              <a:schemeClr val="accent6"/>
-            </a:solidFill>
-            <a:prstDash val="solid"/>
-            <a:miter lim="8000"/>
-            <a:headEnd type="none" w="med" len="med"/>
-            <a:tailEnd type="none" w="med" len="med"/>
-          </a:ln>
-        </p:spPr>
-        <p:txBody>
-          <a:bodyPr spcFirstLastPara="1" wrap="square" lIns="91425" tIns="91425" rIns="91425" bIns="91425" anchor="ctr" anchorCtr="0">
-            <a:noAutofit/>
-          </a:bodyPr>
-          <a:lstStyle/>
-          <a:p>
-            <a:pPr marL="0" lvl="0" indent="0" algn="ctr">
-              <a:spcBef>
-                <a:spcPts val="0"/>
-              </a:spcBef>
-              <a:spcAft>
-                <a:spcPts val="0"/>
-              </a:spcAft>
-              <a:buNone/>
-            </a:pPr>
-            <a:r>
-              <a:rPr lang="fr-FR"/>
-              <a:t>Possible </a:t>
-            </a:r>
-            <a:r>
-              <a:rPr lang="fr-FR" b="1"/>
-              <a:t>pow</a:t>
-            </a:r>
-            <a:endParaRPr b="1"/>
-          </a:p>
-        </p:txBody>
-      </p:sp>
-      <p:sp>
-        <p:nvSpPr>
-          <p:cNvPr id="105" name="Shape 105"/>
-          <p:cNvSpPr/>
-          <p:nvPr/>
-        </p:nvSpPr>
-        <p:spPr>
-          <a:xfrm>
-            <a:off x="5464600" y="1025800"/>
-            <a:ext cx="824700" cy="375900"/>
-          </a:xfrm>
-          <a:prstGeom prst="rightArrow">
-            <a:avLst>
-              <a:gd name="adj1" fmla="val 50000"/>
-              <a:gd name="adj2" fmla="val 50000"/>
-            </a:avLst>
-          </a:prstGeom>
-          <a:solidFill>
-            <a:schemeClr val="lt1"/>
-          </a:solidFill>
-          <a:ln w="12700" cap="flat" cmpd="sng">
-            <a:solidFill>
-              <a:schemeClr val="accent6"/>
-            </a:solidFill>
-            <a:prstDash val="solid"/>
-            <a:miter lim="8000"/>
-            <a:headEnd type="none" w="med" len="med"/>
-            <a:tailEnd type="none" w="med" len="med"/>
-          </a:ln>
-        </p:spPr>
-        <p:txBody>
-          <a:bodyPr spcFirstLastPara="1" wrap="square" lIns="91425" tIns="91425" rIns="91425" bIns="91425" anchor="ctr" anchorCtr="0">
-            <a:noAutofit/>
-          </a:bodyPr>
-          <a:lstStyle/>
-          <a:p>
-            <a:pPr marL="0" lvl="0" indent="0">
-              <a:spcBef>
-                <a:spcPts val="0"/>
-              </a:spcBef>
-              <a:spcAft>
-                <a:spcPts val="0"/>
-              </a:spcAft>
-              <a:buNone/>
-            </a:pPr>
-            <a:endParaRPr/>
-          </a:p>
-        </p:txBody>
-      </p:sp>
-    </p:spTree>
-  </p:cSld>
-  <p:clrMapOvr>
-    <a:masterClrMapping/>
-  </p:clrMapOvr>
-</p:sld>
-</file>
-
-<file path=ppt/slides/slide2.xml><?xml version="1.0" encoding="utf-8"?>
-<p:sld xmlns:a="http://schemas.openxmlformats.org/drawingml/2006/main" xmlns:r="http://schemas.openxmlformats.org/officeDocument/2006/relationships" xmlns:p="http://schemas.openxmlformats.org/presentationml/2006/main">
-  <p:cSld>
-    <p:spTree>
-      <p:nvGrpSpPr>
-        <p:cNvPr id="1" name="Shape 83"/>
-        <p:cNvGrpSpPr/>
-        <p:nvPr/>
-      </p:nvGrpSpPr>
-      <p:grpSpPr>
-        <a:xfrm>
-          <a:off x="0" y="0"/>
-          <a:ext cx="0" cy="0"/>
-          <a:chOff x="0" y="0"/>
-          <a:chExt cx="0" cy="0"/>
-        </a:xfrm>
-      </p:grpSpPr>
-      <p:sp>
-        <p:nvSpPr>
           <p:cNvPr id="99" name="Shape 99"/>
           <p:cNvSpPr/>
           <p:nvPr/>
@@ -14460,20 +13093,12 @@
               <a:buNone/>
             </a:pPr>
             <a:r>
-              <a:rPr lang="fr-FR" sz="1800" b="1" dirty="0" err="1">
+              <a:rPr lang="fr-FR" sz="1800" b="1" dirty="0">
                 <a:solidFill>
                   <a:schemeClr val="lt1"/>
                 </a:solidFill>
               </a:rPr>
-              <a:t>Decisional</a:t>
-            </a:r>
-            <a:r>
-              <a:rPr lang="fr-FR" sz="1800" b="1" dirty="0">
-                <a:solidFill>
-                  <a:schemeClr val="lt1"/>
-                </a:solidFill>
-              </a:rPr>
-              <a:t> model</a:t>
+              <a:t>Modèle décisionnel</a:t>
             </a:r>
             <a:endParaRPr sz="1800" b="1" dirty="0">
               <a:solidFill>
@@ -14696,8 +13321,8 @@
                 <a:t>Possible </a:t>
               </a:r>
               <a:r>
-                <a:rPr lang="fr-FR" sz="1800" b="1" dirty="0" err="1"/>
-                <a:t>pow</a:t>
+                <a:rPr lang="fr-FR" sz="1800" b="1" dirty="0"/>
+                <a:t>Dom</a:t>
               </a:r>
               <a:endParaRPr sz="1800" b="1" dirty="0"/>
             </a:p>
@@ -14804,18 +13429,13 @@
           <a:p>
             <a:pPr algn="ctr"/>
             <a:r>
-              <a:rPr lang="fr-FR" sz="1800" dirty="0" err="1">
+              <a:rPr lang="fr-FR" sz="1800" dirty="0">
                 <a:solidFill>
                   <a:schemeClr val="tx1"/>
                 </a:solidFill>
               </a:rPr>
-              <a:t>Hypotheses</a:t>
+              <a:t>Hypothèses</a:t>
             </a:r>
-            <a:endParaRPr lang="fr-FR" sz="1800" dirty="0">
-              <a:solidFill>
-                <a:schemeClr val="tx1"/>
-              </a:solidFill>
-            </a:endParaRPr>
           </a:p>
         </p:txBody>
       </p:sp>
@@ -15081,8 +13701,8 @@
           </p:nvSpPr>
           <p:spPr>
             <a:xfrm>
-              <a:off x="2906230" y="3624994"/>
-              <a:ext cx="753827" cy="448450"/>
+              <a:off x="2883621" y="3624994"/>
+              <a:ext cx="776437" cy="448450"/>
             </a:xfrm>
             <a:prstGeom prst="rect">
               <a:avLst/>
@@ -15109,17 +13729,17 @@
             <a:lstStyle/>
             <a:p>
               <a:r>
-                <a:rPr lang="fr-FR" sz="1800" b="1" dirty="0" err="1">
+                <a:rPr lang="fr-FR" sz="1800" b="1" dirty="0">
                   <a:solidFill>
                     <a:schemeClr val="bg1"/>
                   </a:solidFill>
                   <a:latin typeface="Arial"/>
                   <a:cs typeface="Arial"/>
                 </a:rPr>
-                <a:t>Pow</a:t>
+                <a:t>Dom</a:t>
               </a:r>
               <a:r>
-                <a:rPr lang="fr-FR" sz="1800" b="1" baseline="-25000" dirty="0" err="1">
+                <a:rPr lang="fr-FR" sz="1800" b="1" baseline="-25000" dirty="0">
                   <a:solidFill>
                     <a:schemeClr val="bg1"/>
                   </a:solidFill>
@@ -15393,21 +14013,8 @@
                   <a:schemeClr val="tx1"/>
                 </a:solidFill>
               </a:rPr>
-              <a:t> </a:t>
+              <a:t> produite</a:t>
             </a:r>
-            <a:r>
-              <a:rPr lang="fr-FR" sz="1800" dirty="0" err="1">
-                <a:solidFill>
-                  <a:schemeClr val="tx1"/>
-                </a:solidFill>
-              </a:rPr>
-              <a:t>produced</a:t>
-            </a:r>
-            <a:endParaRPr lang="fr-FR" sz="1800" dirty="0">
-              <a:solidFill>
-                <a:schemeClr val="tx1"/>
-              </a:solidFill>
-            </a:endParaRPr>
           </a:p>
         </p:txBody>
       </p:sp>
@@ -15735,7 +14342,7 @@
         <p:spPr>
           <a:xfrm>
             <a:off x="6349688" y="4680844"/>
-            <a:ext cx="1492467" cy="357027"/>
+            <a:ext cx="1551297" cy="357027"/>
           </a:xfrm>
           <a:prstGeom prst="rect">
             <a:avLst/>
@@ -15771,12 +14378,20 @@
           <a:p>
             <a:pPr algn="ctr"/>
             <a:r>
+              <a:rPr lang="fr-FR" sz="1800" dirty="0">
+                <a:solidFill>
+                  <a:schemeClr val="tx1"/>
+                </a:solidFill>
+              </a:rPr>
+              <a:t>Comparaison</a:t>
+            </a:r>
+            <a:r>
               <a:rPr lang="en-US" sz="1800" dirty="0">
                 <a:solidFill>
                   <a:schemeClr val="tx1"/>
                 </a:solidFill>
               </a:rPr>
-              <a:t>Comparison </a:t>
+              <a:t> </a:t>
             </a:r>
           </a:p>
         </p:txBody>
@@ -15988,1404 +14603,7 @@
 </p:sld>
 </file>
 
-<file path=ppt/slides/slide3.xml><?xml version="1.0" encoding="utf-8"?>
-<p:sld xmlns:a="http://schemas.openxmlformats.org/drawingml/2006/main" xmlns:r="http://schemas.openxmlformats.org/officeDocument/2006/relationships" xmlns:p="http://schemas.openxmlformats.org/presentationml/2006/main">
-  <p:cSld>
-    <p:spTree>
-      <p:nvGrpSpPr>
-        <p:cNvPr id="1" name="Shape 109"/>
-        <p:cNvGrpSpPr/>
-        <p:nvPr/>
-      </p:nvGrpSpPr>
-      <p:grpSpPr>
-        <a:xfrm>
-          <a:off x="0" y="0"/>
-          <a:ext cx="0" cy="0"/>
-          <a:chOff x="0" y="0"/>
-          <a:chExt cx="0" cy="0"/>
-        </a:xfrm>
-      </p:grpSpPr>
-      <p:sp>
-        <p:nvSpPr>
-          <p:cNvPr id="110" name="Shape 110"/>
-          <p:cNvSpPr/>
-          <p:nvPr/>
-        </p:nvSpPr>
-        <p:spPr>
-          <a:xfrm>
-            <a:off x="3674300" y="2487663"/>
-            <a:ext cx="920100" cy="984600"/>
-          </a:xfrm>
-          <a:prstGeom prst="cloudCallout">
-            <a:avLst>
-              <a:gd name="adj1" fmla="val 112401"/>
-              <a:gd name="adj2" fmla="val 68513"/>
-            </a:avLst>
-          </a:prstGeom>
-          <a:solidFill>
-            <a:schemeClr val="accent1"/>
-          </a:solidFill>
-          <a:ln w="12700" cap="flat" cmpd="sng">
-            <a:solidFill>
-              <a:srgbClr val="31538F"/>
-            </a:solidFill>
-            <a:prstDash val="solid"/>
-            <a:miter lim="800000"/>
-            <a:headEnd type="none" w="med" len="med"/>
-            <a:tailEnd type="none" w="med" len="med"/>
-          </a:ln>
-        </p:spPr>
-        <p:txBody>
-          <a:bodyPr spcFirstLastPara="1" wrap="square" lIns="91425" tIns="45700" rIns="91425" bIns="45700" anchor="ctr" anchorCtr="0">
-            <a:noAutofit/>
-          </a:bodyPr>
-          <a:lstStyle/>
-          <a:p>
-            <a:pPr marL="0" marR="0" lvl="0" indent="0" algn="ctr" rtl="0">
-              <a:spcBef>
-                <a:spcPts val="0"/>
-              </a:spcBef>
-              <a:spcAft>
-                <a:spcPts val="0"/>
-              </a:spcAft>
-              <a:buNone/>
-            </a:pPr>
-            <a:endParaRPr sz="1800" b="0" i="0" u="none" strike="noStrike" cap="none">
-              <a:solidFill>
-                <a:schemeClr val="lt1"/>
-              </a:solidFill>
-              <a:latin typeface="Calibri"/>
-              <a:ea typeface="Calibri"/>
-              <a:cs typeface="Calibri"/>
-              <a:sym typeface="Calibri"/>
-            </a:endParaRPr>
-          </a:p>
-        </p:txBody>
-      </p:sp>
-      <p:pic>
-        <p:nvPicPr>
-          <p:cNvPr id="111" name="Shape 111"/>
-          <p:cNvPicPr preferRelativeResize="0"/>
-          <p:nvPr/>
-        </p:nvPicPr>
-        <p:blipFill rotWithShape="1">
-          <a:blip r:embed="rId3">
-            <a:alphaModFix/>
-          </a:blip>
-          <a:srcRect/>
-          <a:stretch/>
-        </p:blipFill>
-        <p:spPr>
-          <a:xfrm>
-            <a:off x="4835250" y="3699725"/>
-            <a:ext cx="891000" cy="740150"/>
-          </a:xfrm>
-          <a:prstGeom prst="rect">
-            <a:avLst/>
-          </a:prstGeom>
-          <a:noFill/>
-          <a:ln>
-            <a:noFill/>
-          </a:ln>
-        </p:spPr>
-      </p:pic>
-      <p:sp>
-        <p:nvSpPr>
-          <p:cNvPr id="112" name="Shape 112"/>
-          <p:cNvSpPr/>
-          <p:nvPr/>
-        </p:nvSpPr>
-        <p:spPr>
-          <a:xfrm>
-            <a:off x="5944375" y="3767063"/>
-            <a:ext cx="1537800" cy="264300"/>
-          </a:xfrm>
-          <a:prstGeom prst="rightArrow">
-            <a:avLst>
-              <a:gd name="adj1" fmla="val 50000"/>
-              <a:gd name="adj2" fmla="val 50000"/>
-            </a:avLst>
-          </a:prstGeom>
-          <a:solidFill>
-            <a:schemeClr val="lt1"/>
-          </a:solidFill>
-          <a:ln w="12700" cap="flat" cmpd="sng">
-            <a:solidFill>
-              <a:schemeClr val="accent3"/>
-            </a:solidFill>
-            <a:prstDash val="solid"/>
-            <a:miter lim="800000"/>
-            <a:headEnd type="none" w="med" len="med"/>
-            <a:tailEnd type="none" w="med" len="med"/>
-          </a:ln>
-        </p:spPr>
-        <p:txBody>
-          <a:bodyPr spcFirstLastPara="1" wrap="square" lIns="91425" tIns="45700" rIns="91425" bIns="45700" anchor="ctr" anchorCtr="0">
-            <a:noAutofit/>
-          </a:bodyPr>
-          <a:lstStyle/>
-          <a:p>
-            <a:pPr marL="0" marR="0" lvl="0" indent="0" algn="ctr" rtl="0">
-              <a:spcBef>
-                <a:spcPts val="0"/>
-              </a:spcBef>
-              <a:spcAft>
-                <a:spcPts val="0"/>
-              </a:spcAft>
-              <a:buNone/>
-            </a:pPr>
-            <a:endParaRPr sz="1800" b="0" i="0" u="none" strike="noStrike" cap="none">
-              <a:solidFill>
-                <a:schemeClr val="dk1"/>
-              </a:solidFill>
-              <a:latin typeface="Calibri"/>
-              <a:ea typeface="Calibri"/>
-              <a:cs typeface="Calibri"/>
-              <a:sym typeface="Calibri"/>
-            </a:endParaRPr>
-          </a:p>
-        </p:txBody>
-      </p:sp>
-      <p:sp>
-        <p:nvSpPr>
-          <p:cNvPr id="113" name="Shape 113"/>
-          <p:cNvSpPr/>
-          <p:nvPr/>
-        </p:nvSpPr>
-        <p:spPr>
-          <a:xfrm rot="10800000">
-            <a:off x="5856124" y="4032063"/>
-            <a:ext cx="1531200" cy="264300"/>
-          </a:xfrm>
-          <a:prstGeom prst="rightArrow">
-            <a:avLst>
-              <a:gd name="adj1" fmla="val 50000"/>
-              <a:gd name="adj2" fmla="val 50000"/>
-            </a:avLst>
-          </a:prstGeom>
-          <a:solidFill>
-            <a:schemeClr val="lt1"/>
-          </a:solidFill>
-          <a:ln w="12700" cap="flat" cmpd="sng">
-            <a:solidFill>
-              <a:schemeClr val="accent3"/>
-            </a:solidFill>
-            <a:prstDash val="solid"/>
-            <a:miter lim="800000"/>
-            <a:headEnd type="none" w="med" len="med"/>
-            <a:tailEnd type="none" w="med" len="med"/>
-          </a:ln>
-        </p:spPr>
-        <p:txBody>
-          <a:bodyPr spcFirstLastPara="1" wrap="square" lIns="91425" tIns="45700" rIns="91425" bIns="45700" anchor="ctr" anchorCtr="0">
-            <a:noAutofit/>
-          </a:bodyPr>
-          <a:lstStyle/>
-          <a:p>
-            <a:pPr marL="0" marR="0" lvl="0" indent="0" algn="ctr" rtl="0">
-              <a:spcBef>
-                <a:spcPts val="0"/>
-              </a:spcBef>
-              <a:spcAft>
-                <a:spcPts val="0"/>
-              </a:spcAft>
-              <a:buNone/>
-            </a:pPr>
-            <a:endParaRPr sz="1800" b="0" i="0" u="none" strike="noStrike" cap="none">
-              <a:solidFill>
-                <a:schemeClr val="dk1"/>
-              </a:solidFill>
-              <a:latin typeface="Calibri"/>
-              <a:ea typeface="Calibri"/>
-              <a:cs typeface="Calibri"/>
-              <a:sym typeface="Calibri"/>
-            </a:endParaRPr>
-          </a:p>
-        </p:txBody>
-      </p:sp>
-      <p:sp>
-        <p:nvSpPr>
-          <p:cNvPr id="114" name="Shape 114"/>
-          <p:cNvSpPr/>
-          <p:nvPr/>
-        </p:nvSpPr>
-        <p:spPr>
-          <a:xfrm>
-            <a:off x="6119625" y="4514088"/>
-            <a:ext cx="1224300" cy="382500"/>
-          </a:xfrm>
-          <a:prstGeom prst="rect">
-            <a:avLst/>
-          </a:prstGeom>
-          <a:gradFill>
-            <a:gsLst>
-              <a:gs pos="0">
-                <a:srgbClr val="9A9A9A"/>
-              </a:gs>
-              <a:gs pos="50000">
-                <a:srgbClr val="8D8D8D"/>
-              </a:gs>
-              <a:gs pos="100000">
-                <a:srgbClr val="787878"/>
-              </a:gs>
-            </a:gsLst>
-            <a:lin ang="5400012" scaled="0"/>
-          </a:gradFill>
-          <a:ln w="9525" cap="flat" cmpd="sng">
-            <a:solidFill>
-              <a:schemeClr val="dk1"/>
-            </a:solidFill>
-            <a:prstDash val="solid"/>
-            <a:miter lim="800000"/>
-            <a:headEnd type="none" w="med" len="med"/>
-            <a:tailEnd type="none" w="med" len="med"/>
-          </a:ln>
-        </p:spPr>
-        <p:txBody>
-          <a:bodyPr spcFirstLastPara="1" wrap="square" lIns="91425" tIns="45700" rIns="91425" bIns="45700" anchor="ctr" anchorCtr="0">
-            <a:noAutofit/>
-          </a:bodyPr>
-          <a:lstStyle/>
-          <a:p>
-            <a:pPr marL="0" marR="0" lvl="0" indent="0" algn="ctr" rtl="0">
-              <a:spcBef>
-                <a:spcPts val="0"/>
-              </a:spcBef>
-              <a:spcAft>
-                <a:spcPts val="0"/>
-              </a:spcAft>
-              <a:buNone/>
-            </a:pPr>
-            <a:r>
-              <a:rPr lang="fr-FR" sz="2000" b="1" i="0" u="none" strike="noStrike" cap="none">
-                <a:solidFill>
-                  <a:schemeClr val="dk1"/>
-                </a:solidFill>
-                <a:latin typeface="Calibri"/>
-                <a:ea typeface="Calibri"/>
-                <a:cs typeface="Calibri"/>
-                <a:sym typeface="Calibri"/>
-              </a:rPr>
-              <a:t>Dialogue</a:t>
-            </a:r>
-            <a:endParaRPr/>
-          </a:p>
-        </p:txBody>
-      </p:sp>
-      <p:pic>
-        <p:nvPicPr>
-          <p:cNvPr id="115" name="Shape 115"/>
-          <p:cNvPicPr preferRelativeResize="0"/>
-          <p:nvPr/>
-        </p:nvPicPr>
-        <p:blipFill rotWithShape="1">
-          <a:blip r:embed="rId4">
-            <a:alphaModFix/>
-          </a:blip>
-          <a:srcRect/>
-          <a:stretch/>
-        </p:blipFill>
-        <p:spPr>
-          <a:xfrm>
-            <a:off x="7604950" y="3645987"/>
-            <a:ext cx="891000" cy="695225"/>
-          </a:xfrm>
-          <a:prstGeom prst="rect">
-            <a:avLst/>
-          </a:prstGeom>
-          <a:noFill/>
-          <a:ln w="9525" cap="flat" cmpd="sng">
-            <a:solidFill>
-              <a:srgbClr val="548135"/>
-            </a:solidFill>
-            <a:prstDash val="solid"/>
-            <a:round/>
-            <a:headEnd type="none" w="med" len="med"/>
-            <a:tailEnd type="none" w="med" len="med"/>
-          </a:ln>
-        </p:spPr>
-      </p:pic>
-      <p:sp>
-        <p:nvSpPr>
-          <p:cNvPr id="116" name="Shape 116"/>
-          <p:cNvSpPr/>
-          <p:nvPr/>
-        </p:nvSpPr>
-        <p:spPr>
-          <a:xfrm>
-            <a:off x="8517850" y="2299313"/>
-            <a:ext cx="820200" cy="1197300"/>
-          </a:xfrm>
-          <a:prstGeom prst="cloudCallout">
-            <a:avLst>
-              <a:gd name="adj1" fmla="val -115996"/>
-              <a:gd name="adj2" fmla="val 59323"/>
-            </a:avLst>
-          </a:prstGeom>
-          <a:solidFill>
-            <a:schemeClr val="accent3"/>
-          </a:solidFill>
-          <a:ln w="12700" cap="flat" cmpd="sng">
-            <a:solidFill>
-              <a:srgbClr val="787878"/>
-            </a:solidFill>
-            <a:prstDash val="solid"/>
-            <a:miter lim="800000"/>
-            <a:headEnd type="none" w="med" len="med"/>
-            <a:tailEnd type="none" w="med" len="med"/>
-          </a:ln>
-        </p:spPr>
-        <p:txBody>
-          <a:bodyPr spcFirstLastPara="1" wrap="square" lIns="91425" tIns="45700" rIns="91425" bIns="45700" anchor="ctr" anchorCtr="0">
-            <a:noAutofit/>
-          </a:bodyPr>
-          <a:lstStyle/>
-          <a:p>
-            <a:pPr marL="0" marR="0" lvl="0" indent="0" algn="ctr" rtl="0">
-              <a:spcBef>
-                <a:spcPts val="0"/>
-              </a:spcBef>
-              <a:spcAft>
-                <a:spcPts val="0"/>
-              </a:spcAft>
-              <a:buNone/>
-            </a:pPr>
-            <a:endParaRPr sz="1800" b="0" i="0" u="none" strike="noStrike" cap="none">
-              <a:solidFill>
-                <a:schemeClr val="lt1"/>
-              </a:solidFill>
-              <a:latin typeface="Calibri"/>
-              <a:ea typeface="Calibri"/>
-              <a:cs typeface="Calibri"/>
-              <a:sym typeface="Calibri"/>
-            </a:endParaRPr>
-          </a:p>
-        </p:txBody>
-      </p:sp>
-      <p:sp>
-        <p:nvSpPr>
-          <p:cNvPr id="117" name="Shape 117"/>
-          <p:cNvSpPr/>
-          <p:nvPr/>
-        </p:nvSpPr>
-        <p:spPr>
-          <a:xfrm>
-            <a:off x="8481500" y="2576763"/>
-            <a:ext cx="1833900" cy="984600"/>
-          </a:xfrm>
-          <a:prstGeom prst="rect">
-            <a:avLst/>
-          </a:prstGeom>
-          <a:solidFill>
-            <a:schemeClr val="lt1"/>
-          </a:solidFill>
-          <a:ln w="12700" cap="flat" cmpd="sng">
-            <a:solidFill>
-              <a:schemeClr val="accent3"/>
-            </a:solidFill>
-            <a:prstDash val="solid"/>
-            <a:miter lim="800000"/>
-            <a:headEnd type="none" w="med" len="med"/>
-            <a:tailEnd type="none" w="med" len="med"/>
-          </a:ln>
-        </p:spPr>
-        <p:txBody>
-          <a:bodyPr spcFirstLastPara="1" wrap="square" lIns="91425" tIns="45700" rIns="91425" bIns="45700" anchor="ctr" anchorCtr="0">
-            <a:noAutofit/>
-          </a:bodyPr>
-          <a:lstStyle/>
-          <a:p>
-            <a:pPr marL="0" marR="0" lvl="0" indent="0" algn="ctr" rtl="0">
-              <a:spcBef>
-                <a:spcPts val="0"/>
-              </a:spcBef>
-              <a:spcAft>
-                <a:spcPts val="0"/>
-              </a:spcAft>
-              <a:buNone/>
-            </a:pPr>
-            <a:endParaRPr sz="1600" b="0" i="0" u="none" strike="noStrike" cap="none">
-              <a:solidFill>
-                <a:schemeClr val="dk1"/>
-              </a:solidFill>
-              <a:latin typeface="Calibri"/>
-              <a:ea typeface="Calibri"/>
-              <a:cs typeface="Calibri"/>
-              <a:sym typeface="Calibri"/>
-            </a:endParaRPr>
-          </a:p>
-        </p:txBody>
-      </p:sp>
-      <p:sp>
-        <p:nvSpPr>
-          <p:cNvPr id="118" name="Shape 118"/>
-          <p:cNvSpPr/>
-          <p:nvPr/>
-        </p:nvSpPr>
-        <p:spPr>
-          <a:xfrm>
-            <a:off x="8481500" y="2241063"/>
-            <a:ext cx="1833900" cy="335700"/>
-          </a:xfrm>
-          <a:prstGeom prst="rect">
-            <a:avLst/>
-          </a:prstGeom>
-          <a:solidFill>
-            <a:schemeClr val="accent3"/>
-          </a:solidFill>
-          <a:ln w="19050" cap="flat" cmpd="sng">
-            <a:solidFill>
-              <a:schemeClr val="accent3"/>
-            </a:solidFill>
-            <a:prstDash val="solid"/>
-            <a:miter lim="800000"/>
-            <a:headEnd type="none" w="med" len="med"/>
-            <a:tailEnd type="none" w="med" len="med"/>
-          </a:ln>
-        </p:spPr>
-        <p:txBody>
-          <a:bodyPr spcFirstLastPara="1" wrap="square" lIns="91425" tIns="45700" rIns="91425" bIns="45700" anchor="ctr" anchorCtr="0">
-            <a:noAutofit/>
-          </a:bodyPr>
-          <a:lstStyle/>
-          <a:p>
-            <a:pPr marL="0" marR="0" lvl="0" indent="0" algn="ctr" rtl="0">
-              <a:spcBef>
-                <a:spcPts val="0"/>
-              </a:spcBef>
-              <a:spcAft>
-                <a:spcPts val="0"/>
-              </a:spcAft>
-              <a:buNone/>
-            </a:pPr>
-            <a:r>
-              <a:rPr lang="fr-FR" sz="1800" b="1" i="0" u="none" strike="noStrike" cap="none">
-                <a:solidFill>
-                  <a:schemeClr val="lt1"/>
-                </a:solidFill>
-                <a:latin typeface="Calibri"/>
-                <a:ea typeface="Calibri"/>
-                <a:cs typeface="Calibri"/>
-                <a:sym typeface="Calibri"/>
-              </a:rPr>
-              <a:t>Mental model</a:t>
-            </a:r>
-            <a:endParaRPr/>
-          </a:p>
-        </p:txBody>
-      </p:sp>
-      <p:sp>
-        <p:nvSpPr>
-          <p:cNvPr id="119" name="Shape 119"/>
-          <p:cNvSpPr/>
-          <p:nvPr/>
-        </p:nvSpPr>
-        <p:spPr>
-          <a:xfrm>
-            <a:off x="8517850" y="2634838"/>
-            <a:ext cx="533700" cy="280200"/>
-          </a:xfrm>
-          <a:prstGeom prst="rect">
-            <a:avLst/>
-          </a:prstGeom>
-          <a:solidFill>
-            <a:schemeClr val="accent3"/>
-          </a:solidFill>
-          <a:ln w="19050" cap="flat" cmpd="sng">
-            <a:solidFill>
-              <a:schemeClr val="accent3"/>
-            </a:solidFill>
-            <a:prstDash val="solid"/>
-            <a:miter lim="8000"/>
-            <a:headEnd type="none" w="med" len="med"/>
-            <a:tailEnd type="none" w="med" len="med"/>
-          </a:ln>
-        </p:spPr>
-        <p:txBody>
-          <a:bodyPr spcFirstLastPara="1" wrap="square" lIns="91425" tIns="91425" rIns="91425" bIns="91425" anchor="ctr" anchorCtr="0">
-            <a:noAutofit/>
-          </a:bodyPr>
-          <a:lstStyle/>
-          <a:p>
-            <a:pPr marL="0" marR="0" lvl="0" indent="0" algn="ctr" rtl="0">
-              <a:lnSpc>
-                <a:spcPct val="100000"/>
-              </a:lnSpc>
-              <a:spcBef>
-                <a:spcPts val="0"/>
-              </a:spcBef>
-              <a:spcAft>
-                <a:spcPts val="0"/>
-              </a:spcAft>
-              <a:buClr>
-                <a:srgbClr val="000000"/>
-              </a:buClr>
-              <a:buFont typeface="Arial"/>
-              <a:buNone/>
-            </a:pPr>
-            <a:r>
-              <a:rPr lang="fr-FR" b="1">
-                <a:solidFill>
-                  <a:schemeClr val="lt1"/>
-                </a:solidFill>
-                <a:latin typeface="Calibri"/>
-                <a:ea typeface="Calibri"/>
-                <a:cs typeface="Calibri"/>
-                <a:sym typeface="Calibri"/>
-              </a:rPr>
-              <a:t>Pow</a:t>
-            </a:r>
-            <a:endParaRPr b="1">
-              <a:solidFill>
-                <a:schemeClr val="lt1"/>
-              </a:solidFill>
-              <a:latin typeface="Calibri"/>
-              <a:ea typeface="Calibri"/>
-              <a:cs typeface="Calibri"/>
-              <a:sym typeface="Calibri"/>
-            </a:endParaRPr>
-          </a:p>
-        </p:txBody>
-      </p:sp>
-      <p:sp>
-        <p:nvSpPr>
-          <p:cNvPr id="120" name="Shape 120"/>
-          <p:cNvSpPr/>
-          <p:nvPr/>
-        </p:nvSpPr>
-        <p:spPr>
-          <a:xfrm>
-            <a:off x="9144275" y="2634838"/>
-            <a:ext cx="1094100" cy="280200"/>
-          </a:xfrm>
-          <a:prstGeom prst="rect">
-            <a:avLst/>
-          </a:prstGeom>
-          <a:solidFill>
-            <a:schemeClr val="accent3"/>
-          </a:solidFill>
-          <a:ln w="19050" cap="flat" cmpd="sng">
-            <a:solidFill>
-              <a:schemeClr val="accent3"/>
-            </a:solidFill>
-            <a:prstDash val="solid"/>
-            <a:miter lim="8000"/>
-            <a:headEnd type="none" w="med" len="med"/>
-            <a:tailEnd type="none" w="med" len="med"/>
-          </a:ln>
-        </p:spPr>
-        <p:txBody>
-          <a:bodyPr spcFirstLastPara="1" wrap="square" lIns="91425" tIns="91425" rIns="91425" bIns="91425" anchor="ctr" anchorCtr="0">
-            <a:noAutofit/>
-          </a:bodyPr>
-          <a:lstStyle/>
-          <a:p>
-            <a:pPr marL="0" marR="0" lvl="0" indent="0" algn="ctr" rtl="0">
-              <a:lnSpc>
-                <a:spcPct val="100000"/>
-              </a:lnSpc>
-              <a:spcBef>
-                <a:spcPts val="0"/>
-              </a:spcBef>
-              <a:spcAft>
-                <a:spcPts val="0"/>
-              </a:spcAft>
-              <a:buNone/>
-            </a:pPr>
-            <a:r>
-              <a:rPr lang="fr-FR" b="1">
-                <a:solidFill>
-                  <a:schemeClr val="lt1"/>
-                </a:solidFill>
-                <a:latin typeface="Calibri"/>
-                <a:ea typeface="Calibri"/>
-                <a:cs typeface="Calibri"/>
-                <a:sym typeface="Calibri"/>
-              </a:rPr>
-              <a:t>Preferences</a:t>
-            </a:r>
-            <a:endParaRPr b="1">
-              <a:solidFill>
-                <a:schemeClr val="lt1"/>
-              </a:solidFill>
-              <a:latin typeface="Calibri"/>
-              <a:ea typeface="Calibri"/>
-              <a:cs typeface="Calibri"/>
-              <a:sym typeface="Calibri"/>
-            </a:endParaRPr>
-          </a:p>
-        </p:txBody>
-      </p:sp>
-      <p:sp>
-        <p:nvSpPr>
-          <p:cNvPr id="121" name="Shape 121"/>
-          <p:cNvSpPr/>
-          <p:nvPr/>
-        </p:nvSpPr>
-        <p:spPr>
-          <a:xfrm>
-            <a:off x="8629550" y="3005763"/>
-            <a:ext cx="1537800" cy="280200"/>
-          </a:xfrm>
-          <a:prstGeom prst="rect">
-            <a:avLst/>
-          </a:prstGeom>
-          <a:solidFill>
-            <a:schemeClr val="accent3"/>
-          </a:solidFill>
-          <a:ln w="19050" cap="flat" cmpd="sng">
-            <a:solidFill>
-              <a:schemeClr val="accent3"/>
-            </a:solidFill>
-            <a:prstDash val="solid"/>
-            <a:miter lim="8000"/>
-            <a:headEnd type="none" w="med" len="med"/>
-            <a:tailEnd type="none" w="med" len="med"/>
-          </a:ln>
-        </p:spPr>
-        <p:txBody>
-          <a:bodyPr spcFirstLastPara="1" wrap="square" lIns="91425" tIns="91425" rIns="91425" bIns="91425" anchor="ctr" anchorCtr="0">
-            <a:noAutofit/>
-          </a:bodyPr>
-          <a:lstStyle/>
-          <a:p>
-            <a:pPr marL="0" marR="0" lvl="0" indent="0" algn="ctr" rtl="0">
-              <a:lnSpc>
-                <a:spcPct val="100000"/>
-              </a:lnSpc>
-              <a:spcBef>
-                <a:spcPts val="0"/>
-              </a:spcBef>
-              <a:spcAft>
-                <a:spcPts val="0"/>
-              </a:spcAft>
-              <a:buNone/>
-            </a:pPr>
-            <a:r>
-              <a:rPr lang="fr-FR" b="1">
-                <a:solidFill>
-                  <a:schemeClr val="lt1"/>
-                </a:solidFill>
-                <a:latin typeface="Calibri"/>
-                <a:ea typeface="Calibri"/>
-                <a:cs typeface="Calibri"/>
-                <a:sym typeface="Calibri"/>
-              </a:rPr>
-              <a:t>Decisional model</a:t>
-            </a:r>
-            <a:endParaRPr b="1">
-              <a:solidFill>
-                <a:schemeClr val="lt1"/>
-              </a:solidFill>
-              <a:latin typeface="Calibri"/>
-              <a:ea typeface="Calibri"/>
-              <a:cs typeface="Calibri"/>
-              <a:sym typeface="Calibri"/>
-            </a:endParaRPr>
-          </a:p>
-        </p:txBody>
-      </p:sp>
-      <p:sp>
-        <p:nvSpPr>
-          <p:cNvPr id="122" name="Shape 122"/>
-          <p:cNvSpPr/>
-          <p:nvPr/>
-        </p:nvSpPr>
-        <p:spPr>
-          <a:xfrm>
-            <a:off x="2665800" y="2483113"/>
-            <a:ext cx="533700" cy="280200"/>
-          </a:xfrm>
-          <a:prstGeom prst="rect">
-            <a:avLst/>
-          </a:prstGeom>
-          <a:solidFill>
-            <a:schemeClr val="accent1"/>
-          </a:solidFill>
-          <a:ln w="19050" cap="flat" cmpd="sng">
-            <a:solidFill>
-              <a:schemeClr val="accent1"/>
-            </a:solidFill>
-            <a:prstDash val="solid"/>
-            <a:miter lim="8000"/>
-            <a:headEnd type="none" w="med" len="med"/>
-            <a:tailEnd type="none" w="med" len="med"/>
-          </a:ln>
-        </p:spPr>
-        <p:txBody>
-          <a:bodyPr spcFirstLastPara="1" wrap="square" lIns="91425" tIns="91425" rIns="91425" bIns="91425" anchor="ctr" anchorCtr="0">
-            <a:noAutofit/>
-          </a:bodyPr>
-          <a:lstStyle/>
-          <a:p>
-            <a:pPr marL="0" marR="0" lvl="0" indent="0" algn="ctr" rtl="0">
-              <a:lnSpc>
-                <a:spcPct val="100000"/>
-              </a:lnSpc>
-              <a:spcBef>
-                <a:spcPts val="0"/>
-              </a:spcBef>
-              <a:spcAft>
-                <a:spcPts val="0"/>
-              </a:spcAft>
-              <a:buNone/>
-            </a:pPr>
-            <a:r>
-              <a:rPr lang="fr-FR" b="1">
-                <a:solidFill>
-                  <a:schemeClr val="lt1"/>
-                </a:solidFill>
-                <a:latin typeface="Calibri"/>
-                <a:ea typeface="Calibri"/>
-                <a:cs typeface="Calibri"/>
-                <a:sym typeface="Calibri"/>
-              </a:rPr>
-              <a:t>Pow</a:t>
-            </a:r>
-            <a:endParaRPr b="1">
-              <a:solidFill>
-                <a:schemeClr val="lt1"/>
-              </a:solidFill>
-              <a:latin typeface="Calibri"/>
-              <a:ea typeface="Calibri"/>
-              <a:cs typeface="Calibri"/>
-              <a:sym typeface="Calibri"/>
-            </a:endParaRPr>
-          </a:p>
-        </p:txBody>
-      </p:sp>
-      <p:sp>
-        <p:nvSpPr>
-          <p:cNvPr id="123" name="Shape 123"/>
-          <p:cNvSpPr/>
-          <p:nvPr/>
-        </p:nvSpPr>
-        <p:spPr>
-          <a:xfrm>
-            <a:off x="3292100" y="2483113"/>
-            <a:ext cx="1094100" cy="280200"/>
-          </a:xfrm>
-          <a:prstGeom prst="rect">
-            <a:avLst/>
-          </a:prstGeom>
-          <a:solidFill>
-            <a:schemeClr val="accent1"/>
-          </a:solidFill>
-          <a:ln w="19050" cap="flat" cmpd="sng">
-            <a:solidFill>
-              <a:schemeClr val="accent1"/>
-            </a:solidFill>
-            <a:prstDash val="solid"/>
-            <a:miter lim="8000"/>
-            <a:headEnd type="none" w="med" len="med"/>
-            <a:tailEnd type="none" w="med" len="med"/>
-          </a:ln>
-        </p:spPr>
-        <p:txBody>
-          <a:bodyPr spcFirstLastPara="1" wrap="square" lIns="91425" tIns="91425" rIns="91425" bIns="91425" anchor="ctr" anchorCtr="0">
-            <a:noAutofit/>
-          </a:bodyPr>
-          <a:lstStyle/>
-          <a:p>
-            <a:pPr marL="0" marR="0" lvl="0" indent="0" algn="ctr" rtl="0">
-              <a:lnSpc>
-                <a:spcPct val="100000"/>
-              </a:lnSpc>
-              <a:spcBef>
-                <a:spcPts val="0"/>
-              </a:spcBef>
-              <a:spcAft>
-                <a:spcPts val="0"/>
-              </a:spcAft>
-              <a:buNone/>
-            </a:pPr>
-            <a:r>
-              <a:rPr lang="fr-FR" b="1">
-                <a:solidFill>
-                  <a:schemeClr val="lt1"/>
-                </a:solidFill>
-                <a:latin typeface="Calibri"/>
-                <a:ea typeface="Calibri"/>
-                <a:cs typeface="Calibri"/>
-                <a:sym typeface="Calibri"/>
-              </a:rPr>
-              <a:t>Preferences</a:t>
-            </a:r>
-            <a:endParaRPr b="1">
-              <a:solidFill>
-                <a:schemeClr val="lt1"/>
-              </a:solidFill>
-              <a:latin typeface="Calibri"/>
-              <a:ea typeface="Calibri"/>
-              <a:cs typeface="Calibri"/>
-              <a:sym typeface="Calibri"/>
-            </a:endParaRPr>
-          </a:p>
-        </p:txBody>
-      </p:sp>
-      <p:sp>
-        <p:nvSpPr>
-          <p:cNvPr id="124" name="Shape 124"/>
-          <p:cNvSpPr/>
-          <p:nvPr/>
-        </p:nvSpPr>
-        <p:spPr>
-          <a:xfrm>
-            <a:off x="2786900" y="3255363"/>
-            <a:ext cx="1455000" cy="280200"/>
-          </a:xfrm>
-          <a:prstGeom prst="rect">
-            <a:avLst/>
-          </a:prstGeom>
-          <a:solidFill>
-            <a:schemeClr val="accent1"/>
-          </a:solidFill>
-          <a:ln w="19050" cap="flat" cmpd="sng">
-            <a:solidFill>
-              <a:schemeClr val="accent1"/>
-            </a:solidFill>
-            <a:prstDash val="solid"/>
-            <a:miter lim="8000"/>
-            <a:headEnd type="none" w="med" len="med"/>
-            <a:tailEnd type="none" w="med" len="med"/>
-          </a:ln>
-        </p:spPr>
-        <p:txBody>
-          <a:bodyPr spcFirstLastPara="1" wrap="square" lIns="91425" tIns="91425" rIns="91425" bIns="91425" anchor="ctr" anchorCtr="0">
-            <a:noAutofit/>
-          </a:bodyPr>
-          <a:lstStyle/>
-          <a:p>
-            <a:pPr marL="0" marR="0" lvl="0" indent="0" algn="ctr" rtl="0">
-              <a:lnSpc>
-                <a:spcPct val="100000"/>
-              </a:lnSpc>
-              <a:spcBef>
-                <a:spcPts val="0"/>
-              </a:spcBef>
-              <a:spcAft>
-                <a:spcPts val="0"/>
-              </a:spcAft>
-              <a:buNone/>
-            </a:pPr>
-            <a:r>
-              <a:rPr lang="fr-FR" b="1">
-                <a:solidFill>
-                  <a:schemeClr val="lt1"/>
-                </a:solidFill>
-                <a:latin typeface="Calibri"/>
-                <a:ea typeface="Calibri"/>
-                <a:cs typeface="Calibri"/>
-                <a:sym typeface="Calibri"/>
-              </a:rPr>
-              <a:t>Decisional model</a:t>
-            </a:r>
-            <a:endParaRPr b="1">
-              <a:solidFill>
-                <a:schemeClr val="lt1"/>
-              </a:solidFill>
-              <a:latin typeface="Calibri"/>
-              <a:ea typeface="Calibri"/>
-              <a:cs typeface="Calibri"/>
-              <a:sym typeface="Calibri"/>
-            </a:endParaRPr>
-          </a:p>
-        </p:txBody>
-      </p:sp>
-      <p:sp>
-        <p:nvSpPr>
-          <p:cNvPr id="125" name="Shape 125"/>
-          <p:cNvSpPr/>
-          <p:nvPr/>
-        </p:nvSpPr>
-        <p:spPr>
-          <a:xfrm>
-            <a:off x="1656675" y="1961413"/>
-            <a:ext cx="2937600" cy="335700"/>
-          </a:xfrm>
-          <a:prstGeom prst="rect">
-            <a:avLst/>
-          </a:prstGeom>
-          <a:solidFill>
-            <a:schemeClr val="accent1"/>
-          </a:solidFill>
-          <a:ln w="19050" cap="flat" cmpd="sng">
-            <a:solidFill>
-              <a:schemeClr val="accent1"/>
-            </a:solidFill>
-            <a:prstDash val="solid"/>
-            <a:miter lim="800000"/>
-            <a:headEnd type="none" w="med" len="med"/>
-            <a:tailEnd type="none" w="med" len="med"/>
-          </a:ln>
-        </p:spPr>
-        <p:txBody>
-          <a:bodyPr spcFirstLastPara="1" wrap="square" lIns="91425" tIns="45700" rIns="91425" bIns="45700" anchor="ctr" anchorCtr="0">
-            <a:noAutofit/>
-          </a:bodyPr>
-          <a:lstStyle/>
-          <a:p>
-            <a:pPr marL="0" marR="0" lvl="0" indent="0" algn="ctr" rtl="0">
-              <a:spcBef>
-                <a:spcPts val="0"/>
-              </a:spcBef>
-              <a:spcAft>
-                <a:spcPts val="0"/>
-              </a:spcAft>
-              <a:buNone/>
-            </a:pPr>
-            <a:r>
-              <a:rPr lang="fr-FR" sz="1800" b="1" i="0" u="none" strike="noStrike" cap="none">
-                <a:solidFill>
-                  <a:schemeClr val="lt1"/>
-                </a:solidFill>
-                <a:latin typeface="Calibri"/>
-                <a:ea typeface="Calibri"/>
-                <a:cs typeface="Calibri"/>
-                <a:sym typeface="Calibri"/>
-              </a:rPr>
-              <a:t>Mental model</a:t>
-            </a:r>
-            <a:endParaRPr/>
-          </a:p>
-        </p:txBody>
-      </p:sp>
-      <p:sp>
-        <p:nvSpPr>
-          <p:cNvPr id="126" name="Shape 126"/>
-          <p:cNvSpPr/>
-          <p:nvPr/>
-        </p:nvSpPr>
-        <p:spPr>
-          <a:xfrm>
-            <a:off x="3289250" y="2861888"/>
-            <a:ext cx="367500" cy="335700"/>
-          </a:xfrm>
-          <a:prstGeom prst="downArrow">
-            <a:avLst>
-              <a:gd name="adj1" fmla="val 50000"/>
-              <a:gd name="adj2" fmla="val 50000"/>
-            </a:avLst>
-          </a:prstGeom>
-          <a:solidFill>
-            <a:srgbClr val="6FA8DC"/>
-          </a:solidFill>
-          <a:ln w="9525" cap="flat" cmpd="sng">
-            <a:solidFill>
-              <a:schemeClr val="dk2"/>
-            </a:solidFill>
-            <a:prstDash val="solid"/>
-            <a:round/>
-            <a:headEnd type="none" w="med" len="med"/>
-            <a:tailEnd type="none" w="med" len="med"/>
-          </a:ln>
-        </p:spPr>
-        <p:txBody>
-          <a:bodyPr spcFirstLastPara="1" wrap="square" lIns="91425" tIns="91425" rIns="91425" bIns="91425" anchor="ctr" anchorCtr="0">
-            <a:noAutofit/>
-          </a:bodyPr>
-          <a:lstStyle/>
-          <a:p>
-            <a:pPr marL="0" lvl="0" indent="0">
-              <a:spcBef>
-                <a:spcPts val="0"/>
-              </a:spcBef>
-              <a:spcAft>
-                <a:spcPts val="0"/>
-              </a:spcAft>
-              <a:buNone/>
-            </a:pPr>
-            <a:endParaRPr/>
-          </a:p>
-        </p:txBody>
-      </p:sp>
-      <p:sp>
-        <p:nvSpPr>
-          <p:cNvPr id="127" name="Shape 127"/>
-          <p:cNvSpPr/>
-          <p:nvPr/>
-        </p:nvSpPr>
-        <p:spPr>
-          <a:xfrm>
-            <a:off x="2697300" y="3985986"/>
-            <a:ext cx="1630500" cy="335700"/>
-          </a:xfrm>
-          <a:prstGeom prst="rect">
-            <a:avLst/>
-          </a:prstGeom>
-          <a:solidFill>
-            <a:schemeClr val="accent6"/>
-          </a:solidFill>
-          <a:ln>
-            <a:noFill/>
-          </a:ln>
-        </p:spPr>
-        <p:txBody>
-          <a:bodyPr spcFirstLastPara="1" wrap="square" lIns="91425" tIns="91425" rIns="91425" bIns="91425" anchor="ctr" anchorCtr="0">
-            <a:noAutofit/>
-          </a:bodyPr>
-          <a:lstStyle/>
-          <a:p>
-            <a:pPr marL="0" lvl="0" indent="0">
-              <a:spcBef>
-                <a:spcPts val="0"/>
-              </a:spcBef>
-              <a:spcAft>
-                <a:spcPts val="0"/>
-              </a:spcAft>
-              <a:buNone/>
-            </a:pPr>
-            <a:r>
-              <a:rPr lang="fr-FR" sz="1600" b="1">
-                <a:solidFill>
-                  <a:schemeClr val="lt1"/>
-                </a:solidFill>
-              </a:rPr>
-              <a:t>Model of other</a:t>
-            </a:r>
-            <a:endParaRPr sz="1600" b="1">
-              <a:solidFill>
-                <a:schemeClr val="lt1"/>
-              </a:solidFill>
-            </a:endParaRPr>
-          </a:p>
-        </p:txBody>
-      </p:sp>
-      <p:sp>
-        <p:nvSpPr>
-          <p:cNvPr id="128" name="Shape 128"/>
-          <p:cNvSpPr/>
-          <p:nvPr/>
-        </p:nvSpPr>
-        <p:spPr>
-          <a:xfrm>
-            <a:off x="3314600" y="3657535"/>
-            <a:ext cx="316800" cy="280200"/>
-          </a:xfrm>
-          <a:prstGeom prst="upArrow">
-            <a:avLst>
-              <a:gd name="adj1" fmla="val 50000"/>
-              <a:gd name="adj2" fmla="val 50000"/>
-            </a:avLst>
-          </a:prstGeom>
-          <a:solidFill>
-            <a:schemeClr val="accent6"/>
-          </a:solidFill>
-          <a:ln w="12700" cap="flat" cmpd="sng">
-            <a:solidFill>
-              <a:schemeClr val="accent6"/>
-            </a:solidFill>
-            <a:prstDash val="solid"/>
-            <a:miter lim="8000"/>
-            <a:headEnd type="none" w="med" len="med"/>
-            <a:tailEnd type="none" w="med" len="med"/>
-          </a:ln>
-        </p:spPr>
-        <p:txBody>
-          <a:bodyPr spcFirstLastPara="1" wrap="square" lIns="91425" tIns="91425" rIns="91425" bIns="91425" anchor="ctr" anchorCtr="0">
-            <a:noAutofit/>
-          </a:bodyPr>
-          <a:lstStyle/>
-          <a:p>
-            <a:pPr marL="0" lvl="0" indent="0">
-              <a:spcBef>
-                <a:spcPts val="0"/>
-              </a:spcBef>
-              <a:spcAft>
-                <a:spcPts val="0"/>
-              </a:spcAft>
-              <a:buNone/>
-            </a:pPr>
-            <a:endParaRPr/>
-          </a:p>
-        </p:txBody>
-      </p:sp>
-      <p:cxnSp>
-        <p:nvCxnSpPr>
-          <p:cNvPr id="129" name="Shape 129"/>
-          <p:cNvCxnSpPr>
-            <a:stCxn id="122" idx="1"/>
-            <a:endCxn id="127" idx="1"/>
-          </p:cNvCxnSpPr>
-          <p:nvPr/>
-        </p:nvCxnSpPr>
-        <p:spPr>
-          <a:xfrm>
-            <a:off x="2665800" y="2623213"/>
-            <a:ext cx="31500" cy="1530600"/>
-          </a:xfrm>
-          <a:prstGeom prst="bentConnector3">
-            <a:avLst>
-              <a:gd name="adj1" fmla="val -1146429"/>
-            </a:avLst>
-          </a:prstGeom>
-          <a:noFill/>
-          <a:ln w="9525" cap="flat" cmpd="sng">
-            <a:solidFill>
-              <a:schemeClr val="accent6"/>
-            </a:solidFill>
-            <a:prstDash val="solid"/>
-            <a:round/>
-            <a:headEnd type="stealth" w="lg" len="lg"/>
-            <a:tailEnd type="none" w="lg" len="lg"/>
-          </a:ln>
-        </p:spPr>
-      </p:cxnSp>
-      <p:sp>
-        <p:nvSpPr>
-          <p:cNvPr id="130" name="Shape 130"/>
-          <p:cNvSpPr/>
-          <p:nvPr/>
-        </p:nvSpPr>
-        <p:spPr>
-          <a:xfrm>
-            <a:off x="2063650" y="2455363"/>
-            <a:ext cx="367500" cy="335700"/>
-          </a:xfrm>
-          <a:prstGeom prst="ellipse">
-            <a:avLst/>
-          </a:prstGeom>
-          <a:solidFill>
-            <a:schemeClr val="lt1"/>
-          </a:solidFill>
-          <a:ln w="12700" cap="flat" cmpd="sng">
-            <a:solidFill>
-              <a:schemeClr val="accent1"/>
-            </a:solidFill>
-            <a:prstDash val="solid"/>
-            <a:miter lim="8000"/>
-            <a:headEnd type="none" w="med" len="med"/>
-            <a:tailEnd type="none" w="med" len="med"/>
-          </a:ln>
-        </p:spPr>
-        <p:txBody>
-          <a:bodyPr spcFirstLastPara="1" wrap="square" lIns="91425" tIns="91425" rIns="91425" bIns="91425" anchor="ctr" anchorCtr="0">
-            <a:noAutofit/>
-          </a:bodyPr>
-          <a:lstStyle/>
-          <a:p>
-            <a:pPr marL="0" lvl="0" indent="0" algn="ctr" rtl="0">
-              <a:spcBef>
-                <a:spcPts val="0"/>
-              </a:spcBef>
-              <a:spcAft>
-                <a:spcPts val="0"/>
-              </a:spcAft>
-              <a:buNone/>
-            </a:pPr>
-            <a:r>
-              <a:rPr lang="fr-FR"/>
-              <a:t>3</a:t>
-            </a:r>
-            <a:endParaRPr/>
-          </a:p>
-        </p:txBody>
-      </p:sp>
-      <p:sp>
-        <p:nvSpPr>
-          <p:cNvPr id="131" name="Shape 131"/>
-          <p:cNvSpPr/>
-          <p:nvPr/>
-        </p:nvSpPr>
-        <p:spPr>
-          <a:xfrm>
-            <a:off x="2563788" y="3751075"/>
-            <a:ext cx="367500" cy="335700"/>
-          </a:xfrm>
-          <a:prstGeom prst="ellipse">
-            <a:avLst/>
-          </a:prstGeom>
-          <a:solidFill>
-            <a:schemeClr val="lt1"/>
-          </a:solidFill>
-          <a:ln w="12700" cap="flat" cmpd="sng">
-            <a:solidFill>
-              <a:schemeClr val="accent1"/>
-            </a:solidFill>
-            <a:prstDash val="solid"/>
-            <a:miter lim="8000"/>
-            <a:headEnd type="none" w="med" len="med"/>
-            <a:tailEnd type="none" w="med" len="med"/>
-          </a:ln>
-        </p:spPr>
-        <p:txBody>
-          <a:bodyPr spcFirstLastPara="1" wrap="square" lIns="91425" tIns="91425" rIns="91425" bIns="91425" anchor="ctr" anchorCtr="0">
-            <a:noAutofit/>
-          </a:bodyPr>
-          <a:lstStyle/>
-          <a:p>
-            <a:pPr marL="0" lvl="0" indent="0" algn="ctr" rtl="0">
-              <a:spcBef>
-                <a:spcPts val="0"/>
-              </a:spcBef>
-              <a:spcAft>
-                <a:spcPts val="0"/>
-              </a:spcAft>
-              <a:buNone/>
-            </a:pPr>
-            <a:r>
-              <a:rPr lang="fr-FR"/>
-              <a:t>2</a:t>
-            </a:r>
-            <a:endParaRPr/>
-          </a:p>
-        </p:txBody>
-      </p:sp>
-      <p:sp>
-        <p:nvSpPr>
-          <p:cNvPr id="132" name="Shape 132"/>
-          <p:cNvSpPr/>
-          <p:nvPr/>
-        </p:nvSpPr>
-        <p:spPr>
-          <a:xfrm>
-            <a:off x="2676450" y="3011788"/>
-            <a:ext cx="367500" cy="335700"/>
-          </a:xfrm>
-          <a:prstGeom prst="ellipse">
-            <a:avLst/>
-          </a:prstGeom>
-          <a:solidFill>
-            <a:schemeClr val="lt1"/>
-          </a:solidFill>
-          <a:ln w="12700" cap="flat" cmpd="sng">
-            <a:solidFill>
-              <a:schemeClr val="accent1"/>
-            </a:solidFill>
-            <a:prstDash val="solid"/>
-            <a:miter lim="8000"/>
-            <a:headEnd type="none" w="med" len="med"/>
-            <a:tailEnd type="none" w="med" len="med"/>
-          </a:ln>
-        </p:spPr>
-        <p:txBody>
-          <a:bodyPr spcFirstLastPara="1" wrap="square" lIns="91425" tIns="91425" rIns="91425" bIns="91425" anchor="ctr" anchorCtr="0">
-            <a:noAutofit/>
-          </a:bodyPr>
-          <a:lstStyle/>
-          <a:p>
-            <a:pPr marL="0" lvl="0" indent="0" algn="ctr" rtl="0">
-              <a:spcBef>
-                <a:spcPts val="0"/>
-              </a:spcBef>
-              <a:spcAft>
-                <a:spcPts val="0"/>
-              </a:spcAft>
-              <a:buNone/>
-            </a:pPr>
-            <a:r>
-              <a:rPr lang="fr-FR"/>
-              <a:t>1</a:t>
-            </a:r>
-            <a:endParaRPr/>
-          </a:p>
-        </p:txBody>
-      </p:sp>
-      <p:sp>
-        <p:nvSpPr>
-          <p:cNvPr id="133" name="Shape 133"/>
-          <p:cNvSpPr/>
-          <p:nvPr/>
-        </p:nvSpPr>
-        <p:spPr>
-          <a:xfrm rot="-5400000">
-            <a:off x="1764550" y="3260713"/>
-            <a:ext cx="1077600" cy="255600"/>
-          </a:xfrm>
-          <a:prstGeom prst="roundRect">
-            <a:avLst>
-              <a:gd name="adj" fmla="val 16667"/>
-            </a:avLst>
-          </a:prstGeom>
-          <a:solidFill>
-            <a:schemeClr val="lt1"/>
-          </a:solidFill>
-          <a:ln w="9525" cap="flat" cmpd="sng">
-            <a:solidFill>
-              <a:schemeClr val="accent6"/>
-            </a:solidFill>
-            <a:prstDash val="solid"/>
-            <a:round/>
-            <a:headEnd type="none" w="med" len="med"/>
-            <a:tailEnd type="none" w="med" len="med"/>
-          </a:ln>
-        </p:spPr>
-        <p:txBody>
-          <a:bodyPr spcFirstLastPara="1" wrap="square" lIns="91425" tIns="91425" rIns="91425" bIns="91425" anchor="ctr" anchorCtr="0">
-            <a:noAutofit/>
-          </a:bodyPr>
-          <a:lstStyle/>
-          <a:p>
-            <a:pPr marL="0" lvl="0" indent="0">
-              <a:spcBef>
-                <a:spcPts val="0"/>
-              </a:spcBef>
-              <a:spcAft>
-                <a:spcPts val="0"/>
-              </a:spcAft>
-              <a:buNone/>
-            </a:pPr>
-            <a:r>
-              <a:rPr lang="fr-FR"/>
-              <a:t>Adaptation</a:t>
-            </a:r>
-            <a:endParaRPr/>
-          </a:p>
-        </p:txBody>
-      </p:sp>
-      <p:sp>
-        <p:nvSpPr>
-          <p:cNvPr id="134" name="Shape 134"/>
-          <p:cNvSpPr/>
-          <p:nvPr/>
-        </p:nvSpPr>
-        <p:spPr>
-          <a:xfrm>
-            <a:off x="2537988" y="2416763"/>
-            <a:ext cx="1949100" cy="1197300"/>
-          </a:xfrm>
-          <a:prstGeom prst="rect">
-            <a:avLst/>
-          </a:prstGeom>
-          <a:noFill/>
-          <a:ln w="9525" cap="flat" cmpd="sng">
-            <a:solidFill>
-              <a:schemeClr val="dk2"/>
-            </a:solidFill>
-            <a:prstDash val="dash"/>
-            <a:round/>
-            <a:headEnd type="none" w="med" len="med"/>
-            <a:tailEnd type="none" w="med" len="med"/>
-          </a:ln>
-        </p:spPr>
-        <p:txBody>
-          <a:bodyPr spcFirstLastPara="1" wrap="square" lIns="91425" tIns="91425" rIns="91425" bIns="91425" anchor="ctr" anchorCtr="0">
-            <a:noAutofit/>
-          </a:bodyPr>
-          <a:lstStyle/>
-          <a:p>
-            <a:pPr marL="0" lvl="0" indent="0" rtl="0">
-              <a:spcBef>
-                <a:spcPts val="0"/>
-              </a:spcBef>
-              <a:spcAft>
-                <a:spcPts val="0"/>
-              </a:spcAft>
-              <a:buNone/>
-            </a:pPr>
-            <a:endParaRPr/>
-          </a:p>
-        </p:txBody>
-      </p:sp>
-    </p:spTree>
-  </p:cSld>
-  <p:clrMapOvr>
-    <a:masterClrMapping/>
-  </p:clrMapOvr>
-</p:sld>
-</file>
-
-<file path=ppt/slides/slide4.xml><?xml version="1.0" encoding="utf-8"?>
+<file path=ppt/slides/slide2.xml><?xml version="1.0" encoding="utf-8"?>
 <p:sld xmlns:a="http://schemas.openxmlformats.org/drawingml/2006/main" xmlns:r="http://schemas.openxmlformats.org/officeDocument/2006/relationships" xmlns:p="http://schemas.openxmlformats.org/presentationml/2006/main">
   <p:cSld>
     <p:spTree>
@@ -17584,8 +14802,8 @@
         </p:nvSpPr>
         <p:spPr>
           <a:xfrm>
-            <a:off x="9853100" y="1890975"/>
-            <a:ext cx="1833900" cy="919800"/>
+            <a:off x="9853099" y="1890975"/>
+            <a:ext cx="2010951" cy="919800"/>
           </a:xfrm>
           <a:prstGeom prst="rect">
             <a:avLst/>
@@ -17639,7 +14857,7 @@
         <p:spPr>
           <a:xfrm>
             <a:off x="9853100" y="1555263"/>
-            <a:ext cx="1833900" cy="335700"/>
+            <a:ext cx="2010950" cy="335700"/>
           </a:xfrm>
           <a:prstGeom prst="rect">
             <a:avLst/>
@@ -17673,7 +14891,7 @@
               <a:buNone/>
             </a:pPr>
             <a:r>
-              <a:rPr lang="fr-FR" sz="1800" b="1" i="0" u="none" strike="noStrike" cap="none">
+              <a:rPr lang="fr-FR" sz="1800" b="1" i="0" u="none" strike="noStrike" cap="none" dirty="0">
                 <a:solidFill>
                   <a:schemeClr val="lt1"/>
                 </a:solidFill>
@@ -17682,9 +14900,9 @@
                 <a:cs typeface="Calibri"/>
                 <a:sym typeface="Calibri"/>
               </a:rPr>
-              <a:t>Mental model</a:t>
+              <a:t>Etat mental</a:t>
             </a:r>
-            <a:endParaRPr/>
+            <a:endParaRPr dirty="0"/>
           </a:p>
         </p:txBody>
       </p:sp>
@@ -17696,8 +14914,8 @@
         </p:nvSpPr>
         <p:spPr>
           <a:xfrm>
-            <a:off x="9889450" y="2025238"/>
-            <a:ext cx="533700" cy="280200"/>
+            <a:off x="9962751" y="2025238"/>
+            <a:ext cx="585639" cy="280200"/>
           </a:xfrm>
           <a:prstGeom prst="rect">
             <a:avLst/>
@@ -17738,7 +14956,7 @@
               <a:buNone/>
             </a:pPr>
             <a:r>
-              <a:rPr lang="fr-FR" b="1">
+              <a:rPr lang="fr-FR" b="1" dirty="0">
                 <a:solidFill>
                   <a:schemeClr val="lt1"/>
                 </a:solidFill>
@@ -17747,9 +14965,9 @@
                 <a:cs typeface="Calibri"/>
                 <a:sym typeface="Calibri"/>
               </a:rPr>
-              <a:t>Pow</a:t>
+              <a:t>Dom</a:t>
             </a:r>
-            <a:endParaRPr b="1">
+            <a:endParaRPr b="1" dirty="0">
               <a:solidFill>
                 <a:schemeClr val="lt1"/>
               </a:solidFill>
@@ -17769,7 +14987,7 @@
         </p:nvSpPr>
         <p:spPr>
           <a:xfrm>
-            <a:off x="10515875" y="2025238"/>
+            <a:off x="10637550" y="2025238"/>
             <a:ext cx="1094100" cy="280200"/>
           </a:xfrm>
           <a:prstGeom prst="rect">
@@ -17807,7 +15025,7 @@
               <a:buNone/>
             </a:pPr>
             <a:r>
-              <a:rPr lang="fr-FR" b="1">
+              <a:rPr lang="fr-FR" b="1" dirty="0">
                 <a:solidFill>
                   <a:schemeClr val="lt1"/>
                 </a:solidFill>
@@ -17816,9 +15034,9 @@
                 <a:cs typeface="Calibri"/>
                 <a:sym typeface="Calibri"/>
               </a:rPr>
-              <a:t>Preferences</a:t>
+              <a:t>Préférences</a:t>
             </a:r>
-            <a:endParaRPr b="1">
+            <a:endParaRPr b="1" dirty="0">
               <a:solidFill>
                 <a:schemeClr val="lt1"/>
               </a:solidFill>
@@ -17838,8 +15056,8 @@
         </p:nvSpPr>
         <p:spPr>
           <a:xfrm>
-            <a:off x="10001150" y="2396163"/>
-            <a:ext cx="1537800" cy="280200"/>
+            <a:off x="10001149" y="2396163"/>
+            <a:ext cx="1658415" cy="280200"/>
           </a:xfrm>
           <a:prstGeom prst="rect">
             <a:avLst/>
@@ -17876,7 +15094,7 @@
               <a:buNone/>
             </a:pPr>
             <a:r>
-              <a:rPr lang="fr-FR" b="1">
+              <a:rPr lang="fr-FR" b="1" dirty="0">
                 <a:solidFill>
                   <a:schemeClr val="lt1"/>
                 </a:solidFill>
@@ -17885,9 +15103,9 @@
                 <a:cs typeface="Calibri"/>
                 <a:sym typeface="Calibri"/>
               </a:rPr>
-              <a:t>Decisional model</a:t>
+              <a:t>Modèle décisionnel</a:t>
             </a:r>
-            <a:endParaRPr b="1">
+            <a:endParaRPr b="1" dirty="0">
               <a:solidFill>
                 <a:schemeClr val="lt1"/>
               </a:solidFill>
@@ -17942,7 +15160,7 @@
               <a:buNone/>
             </a:pPr>
             <a:r>
-              <a:rPr lang="fr-FR" sz="1800" b="1" i="0" u="none" strike="noStrike" cap="none">
+              <a:rPr lang="fr-FR" sz="1800" b="1" i="0" u="none" strike="noStrike" cap="none" dirty="0">
                 <a:solidFill>
                   <a:schemeClr val="lt1"/>
                 </a:solidFill>
@@ -17951,9 +15169,9 @@
                 <a:cs typeface="Calibri"/>
                 <a:sym typeface="Calibri"/>
               </a:rPr>
-              <a:t>Mental model</a:t>
+              <a:t>Modèle de l’état mental</a:t>
             </a:r>
-            <a:endParaRPr/>
+            <a:endParaRPr dirty="0"/>
           </a:p>
         </p:txBody>
       </p:sp>
@@ -18233,8 +15451,8 @@
         </p:nvSpPr>
         <p:spPr>
           <a:xfrm>
-            <a:off x="868350" y="1789998"/>
-            <a:ext cx="533700" cy="280200"/>
+            <a:off x="868349" y="1809810"/>
+            <a:ext cx="537775" cy="260387"/>
           </a:xfrm>
           <a:prstGeom prst="rect">
             <a:avLst/>
@@ -18271,7 +15489,7 @@
               <a:buNone/>
             </a:pPr>
             <a:r>
-              <a:rPr lang="fr-FR" b="1">
+              <a:rPr lang="fr-FR" b="1" dirty="0">
                 <a:solidFill>
                   <a:schemeClr val="lt1"/>
                 </a:solidFill>
@@ -18280,9 +15498,9 @@
                 <a:cs typeface="Calibri"/>
                 <a:sym typeface="Calibri"/>
               </a:rPr>
-              <a:t>Pow</a:t>
+              <a:t>Dom</a:t>
             </a:r>
-            <a:endParaRPr b="1">
+            <a:endParaRPr b="1" dirty="0">
               <a:solidFill>
                 <a:schemeClr val="lt1"/>
               </a:solidFill>
@@ -18340,7 +15558,7 @@
               <a:buNone/>
             </a:pPr>
             <a:r>
-              <a:rPr lang="fr-FR" b="1">
+              <a:rPr lang="fr-FR" b="1" dirty="0">
                 <a:solidFill>
                   <a:schemeClr val="lt1"/>
                 </a:solidFill>
@@ -18349,9 +15567,9 @@
                 <a:cs typeface="Calibri"/>
                 <a:sym typeface="Calibri"/>
               </a:rPr>
-              <a:t>Preferences</a:t>
+              <a:t>Préférences</a:t>
             </a:r>
-            <a:endParaRPr b="1">
+            <a:endParaRPr b="1" dirty="0">
               <a:solidFill>
                 <a:schemeClr val="lt1"/>
               </a:solidFill>
@@ -18409,7 +15627,7 @@
               <a:buNone/>
             </a:pPr>
             <a:r>
-              <a:rPr lang="fr-FR" b="1">
+              <a:rPr lang="fr-FR" b="1" dirty="0">
                 <a:solidFill>
                   <a:schemeClr val="lt1"/>
                 </a:solidFill>
@@ -18418,9 +15636,9 @@
                 <a:cs typeface="Calibri"/>
                 <a:sym typeface="Calibri"/>
               </a:rPr>
-              <a:t>Decisional model</a:t>
+              <a:t>Modèle décisionnel</a:t>
             </a:r>
-            <a:endParaRPr b="1">
+            <a:endParaRPr b="1" dirty="0">
               <a:solidFill>
                 <a:schemeClr val="lt1"/>
               </a:solidFill>
@@ -18528,8 +15746,8 @@
         </p:nvSpPr>
         <p:spPr>
           <a:xfrm>
-            <a:off x="821375" y="1392660"/>
-            <a:ext cx="580800" cy="280200"/>
+            <a:off x="821374" y="1392659"/>
+            <a:ext cx="762299" cy="280201"/>
           </a:xfrm>
           <a:prstGeom prst="rect">
             <a:avLst/>
@@ -18561,10 +15779,10 @@
               <a:buNone/>
             </a:pPr>
             <a:r>
-              <a:rPr lang="fr-FR"/>
-              <a:t>Input</a:t>
+              <a:rPr lang="fr-FR" dirty="0"/>
+              <a:t>Entrée</a:t>
             </a:r>
-            <a:endParaRPr/>
+            <a:endParaRPr dirty="0"/>
           </a:p>
         </p:txBody>
       </p:sp>
@@ -18777,10 +15995,10 @@
               <a:buNone/>
             </a:pPr>
             <a:r>
-              <a:rPr lang="fr-FR"/>
-              <a:t>Output</a:t>
+              <a:rPr lang="fr-FR" dirty="0"/>
+              <a:t>Sortie</a:t>
             </a:r>
-            <a:endParaRPr/>
+            <a:endParaRPr dirty="0"/>
           </a:p>
         </p:txBody>
       </p:sp>
@@ -18869,15 +16087,16 @@
         <p:nvCxnSpPr>
           <p:cNvPr id="170" name="Shape 170"/>
           <p:cNvCxnSpPr>
+            <a:cxnSpLocks/>
             <a:stCxn id="147" idx="2"/>
             <a:endCxn id="151" idx="1"/>
           </p:cNvCxnSpPr>
           <p:nvPr/>
         </p:nvCxnSpPr>
         <p:spPr>
-          <a:xfrm rot="-5400000" flipH="1">
-            <a:off x="1570500" y="1634898"/>
-            <a:ext cx="869700" cy="1740300"/>
+          <a:xfrm rot="16200000" flipH="1">
+            <a:off x="1529642" y="1677792"/>
+            <a:ext cx="869637" cy="1654446"/>
           </a:xfrm>
           <a:prstGeom prst="bentConnector2">
             <a:avLst/>
@@ -18952,8 +16171,8 @@
         </p:nvSpPr>
         <p:spPr>
           <a:xfrm>
-            <a:off x="2875400" y="2771984"/>
-            <a:ext cx="1630500" cy="335700"/>
+            <a:off x="2791683" y="2771984"/>
+            <a:ext cx="1714217" cy="335700"/>
           </a:xfrm>
           <a:prstGeom prst="rect">
             <a:avLst/>
@@ -18986,15 +16205,7 @@
                   <a:schemeClr val="lt1"/>
                 </a:solidFill>
               </a:rPr>
-              <a:t>Model of </a:t>
-            </a:r>
-            <a:r>
-              <a:rPr lang="fr-FR" sz="1600" b="1" dirty="0" err="1">
-                <a:solidFill>
-                  <a:schemeClr val="lt1"/>
-                </a:solidFill>
-              </a:rPr>
-              <a:t>other</a:t>
+              <a:t>Modèle d’autrui</a:t>
             </a:r>
             <a:endParaRPr sz="1600" b="1" dirty="0">
               <a:solidFill>
@@ -19012,7 +16223,7 @@
         </p:nvSpPr>
         <p:spPr>
           <a:xfrm>
-            <a:off x="928013" y="2744598"/>
+            <a:off x="913728" y="2744598"/>
             <a:ext cx="367500" cy="335700"/>
           </a:xfrm>
           <a:prstGeom prst="ellipse">
@@ -19111,7 +16322,7 @@
         </p:nvSpPr>
         <p:spPr>
           <a:xfrm>
-            <a:off x="2698047" y="2517733"/>
+            <a:off x="2602774" y="2509293"/>
             <a:ext cx="339515" cy="355040"/>
           </a:xfrm>
           <a:prstGeom prst="ellipse">
@@ -19161,7 +16372,7 @@
         </p:nvSpPr>
         <p:spPr>
           <a:xfrm>
-            <a:off x="1442900" y="2784648"/>
+            <a:off x="1371460" y="2784648"/>
             <a:ext cx="1077600" cy="255600"/>
           </a:xfrm>
           <a:prstGeom prst="roundRect">

--- a/thesis_v2/Figures/chap5/model/models_tom.pptx
+++ b/thesis_v2/Figures/chap5/model/models_tom.pptx
@@ -217,7 +217,7 @@
   </p:defaultTextStyle>
   <p:extLst>
     <p:ext uri="{EFAFB233-063F-42B5-8137-9DF3F51BA10A}">
-      <p15:sldGuideLst xmlns:p15="http://schemas.microsoft.com/office/powerpoint/2012/main"/>
+      <p15:sldGuideLst xmlns:p15="http://schemas.microsoft.com/office/powerpoint/2012/main" xmlns=""/>
     </p:ext>
   </p:extLst>
 </p:presentation>
@@ -428,6 +428,11 @@
         </p:txBody>
       </p:sp>
     </p:spTree>
+    <p:extLst>
+      <p:ext uri="{BB962C8B-B14F-4D97-AF65-F5344CB8AC3E}">
+        <p14:creationId xmlns:p14="http://schemas.microsoft.com/office/powerpoint/2010/main" val="3984664187"/>
+      </p:ext>
+    </p:extLst>
   </p:cSld>
   <p:clrMap bg1="lt1" tx1="dk1" bg2="dk2" tx2="lt2" accent1="accent1" accent2="accent2" accent3="accent3" accent4="accent4" accent5="accent5" accent6="accent6" hlink="hlink" folHlink="folHlink"/>
   <p:notesStyle>
@@ -13009,8 +13014,8 @@
         </p:nvSpPr>
         <p:spPr>
           <a:xfrm>
-            <a:off x="2701310" y="3514623"/>
-            <a:ext cx="646617" cy="454344"/>
+            <a:off x="2540867" y="3471163"/>
+            <a:ext cx="649489" cy="520677"/>
           </a:xfrm>
           <a:prstGeom prst="rightArrow">
             <a:avLst>
@@ -13046,7 +13051,7 @@
               </a:spcAft>
               <a:buNone/>
             </a:pPr>
-            <a:endParaRPr/>
+            <a:endParaRPr sz="1600"/>
           </a:p>
         </p:txBody>
       </p:sp>
@@ -13058,8 +13063,8 @@
         </p:nvSpPr>
         <p:spPr>
           <a:xfrm>
-            <a:off x="3572506" y="3253383"/>
-            <a:ext cx="1545272" cy="872335"/>
+            <a:off x="3264968" y="3148898"/>
+            <a:ext cx="1676629" cy="999693"/>
           </a:xfrm>
           <a:prstGeom prst="rect">
             <a:avLst/>
@@ -13093,14 +13098,14 @@
               <a:buNone/>
             </a:pPr>
             <a:r>
-              <a:rPr lang="fr-FR" sz="1800" b="1" dirty="0">
+              <a:rPr lang="fr-FR" sz="2000" b="1" dirty="0">
                 <a:solidFill>
                   <a:schemeClr val="lt1"/>
                 </a:solidFill>
               </a:rPr>
               <a:t>Modèle décisionnel</a:t>
             </a:r>
-            <a:endParaRPr sz="1800" b="1" dirty="0">
+            <a:endParaRPr sz="2000" b="1" dirty="0">
               <a:solidFill>
                 <a:schemeClr val="lt1"/>
               </a:solidFill>
@@ -13113,7 +13118,7 @@
           <p:cNvPr id="5" name="Groupe 4">
             <a:extLst>
               <a:ext uri="{FF2B5EF4-FFF2-40B4-BE49-F238E27FC236}">
-                <a16:creationId xmlns:a16="http://schemas.microsoft.com/office/drawing/2014/main" id="{FB331E59-BE25-4814-AB14-27BDDAA07593}"/>
+                <a16:creationId xmlns:a16="http://schemas.microsoft.com/office/drawing/2014/main" xmlns="" id="{FB331E59-BE25-4814-AB14-27BDDAA07593}"/>
               </a:ext>
             </a:extLst>
           </p:cNvPr>
@@ -13122,8 +13127,8 @@
         </p:nvGrpSpPr>
         <p:grpSpPr>
           <a:xfrm>
-            <a:off x="9839844" y="2958456"/>
-            <a:ext cx="2167874" cy="1376192"/>
+            <a:off x="9567932" y="2780409"/>
+            <a:ext cx="2352156" cy="1577112"/>
             <a:chOff x="7766881" y="2487951"/>
             <a:chExt cx="2119358" cy="678025"/>
           </a:xfrm>
@@ -13172,7 +13177,7 @@
                 </a:spcAft>
                 <a:buNone/>
               </a:pPr>
-              <a:endParaRPr/>
+              <a:endParaRPr sz="1600"/>
             </a:p>
           </p:txBody>
         </p:sp>
@@ -13220,7 +13225,7 @@
                 </a:spcAft>
                 <a:buNone/>
               </a:pPr>
-              <a:endParaRPr/>
+              <a:endParaRPr sz="1600"/>
             </a:p>
           </p:txBody>
         </p:sp>
@@ -13268,7 +13273,7 @@
                 </a:spcAft>
                 <a:buNone/>
               </a:pPr>
-              <a:endParaRPr/>
+              <a:endParaRPr sz="1600"/>
             </a:p>
           </p:txBody>
         </p:sp>
@@ -13317,14 +13322,14 @@
                 <a:buNone/>
               </a:pPr>
               <a:r>
-                <a:rPr lang="fr-FR" sz="1800" dirty="0"/>
+                <a:rPr lang="fr-FR" sz="2000" dirty="0"/>
                 <a:t>Possible </a:t>
               </a:r>
               <a:r>
-                <a:rPr lang="fr-FR" sz="1800" b="1" dirty="0"/>
+                <a:rPr lang="fr-FR" sz="2000" b="1" dirty="0"/>
                 <a:t>Dom</a:t>
               </a:r>
-              <a:endParaRPr sz="1800" b="1" dirty="0"/>
+              <a:endParaRPr sz="2000" b="1" dirty="0"/>
             </a:p>
           </p:txBody>
         </p:sp>
@@ -13337,8 +13342,8 @@
         </p:nvSpPr>
         <p:spPr>
           <a:xfrm>
-            <a:off x="5277055" y="3496442"/>
-            <a:ext cx="663476" cy="490706"/>
+            <a:off x="5005142" y="3447673"/>
+            <a:ext cx="719875" cy="562348"/>
           </a:xfrm>
           <a:prstGeom prst="rightArrow">
             <a:avLst>
@@ -13374,7 +13379,7 @@
               </a:spcAft>
               <a:buNone/>
             </a:pPr>
-            <a:endParaRPr dirty="0"/>
+            <a:endParaRPr sz="1600" dirty="0"/>
           </a:p>
         </p:txBody>
       </p:sp>
@@ -13383,7 +13388,7 @@
           <p:cNvPr id="2" name="Rectangle 1">
             <a:extLst>
               <a:ext uri="{FF2B5EF4-FFF2-40B4-BE49-F238E27FC236}">
-                <a16:creationId xmlns:a16="http://schemas.microsoft.com/office/drawing/2014/main" id="{77DA8F36-1AB7-4DD9-AA48-9E2E41F46F9C}"/>
+                <a16:creationId xmlns:a16="http://schemas.microsoft.com/office/drawing/2014/main" xmlns="" id="{77DA8F36-1AB7-4DD9-AA48-9E2E41F46F9C}"/>
               </a:ext>
             </a:extLst>
           </p:cNvPr>
@@ -13392,8 +13397,8 @@
         </p:nvSpPr>
         <p:spPr>
           <a:xfrm>
-            <a:off x="313155" y="2549012"/>
-            <a:ext cx="2248780" cy="417048"/>
+            <a:off x="41242" y="2510997"/>
+            <a:ext cx="2439939" cy="477936"/>
           </a:xfrm>
           <a:prstGeom prst="rect">
             <a:avLst/>
@@ -13429,7 +13434,7 @@
           <a:p>
             <a:pPr algn="ctr"/>
             <a:r>
-              <a:rPr lang="fr-FR" sz="1800" dirty="0">
+              <a:rPr lang="fr-FR" sz="2000" dirty="0">
                 <a:solidFill>
                   <a:schemeClr val="tx1"/>
                 </a:solidFill>
@@ -13444,7 +13449,7 @@
           <p:cNvPr id="4" name="Groupe 3">
             <a:extLst>
               <a:ext uri="{FF2B5EF4-FFF2-40B4-BE49-F238E27FC236}">
-                <a16:creationId xmlns:a16="http://schemas.microsoft.com/office/drawing/2014/main" id="{AC733391-6A90-4C2E-880E-DF5A46EDB0F7}"/>
+                <a16:creationId xmlns:a16="http://schemas.microsoft.com/office/drawing/2014/main" xmlns="" id="{AC733391-6A90-4C2E-880E-DF5A46EDB0F7}"/>
               </a:ext>
             </a:extLst>
           </p:cNvPr>
@@ -13453,8 +13458,8 @@
         </p:nvGrpSpPr>
         <p:grpSpPr>
           <a:xfrm>
-            <a:off x="405221" y="3224893"/>
-            <a:ext cx="2086047" cy="1082567"/>
+            <a:off x="133309" y="3089714"/>
+            <a:ext cx="2263373" cy="1240619"/>
             <a:chOff x="2382033" y="2993177"/>
             <a:chExt cx="2155757" cy="1173816"/>
           </a:xfrm>
@@ -13464,7 +13469,7 @@
             <p:cNvPr id="37" name="Shape 98">
               <a:extLst>
                 <a:ext uri="{FF2B5EF4-FFF2-40B4-BE49-F238E27FC236}">
-                  <a16:creationId xmlns:a16="http://schemas.microsoft.com/office/drawing/2014/main" id="{0C9D38A7-7E63-4341-B052-6F231EB4207A}"/>
+                  <a16:creationId xmlns:a16="http://schemas.microsoft.com/office/drawing/2014/main" xmlns="" id="{0C9D38A7-7E63-4341-B052-6F231EB4207A}"/>
                 </a:ext>
               </a:extLst>
             </p:cNvPr>
@@ -13512,7 +13517,7 @@
                 </a:spcAft>
                 <a:buNone/>
               </a:pPr>
-              <a:endParaRPr dirty="0"/>
+              <a:endParaRPr sz="1600" dirty="0"/>
             </a:p>
           </p:txBody>
         </p:sp>
@@ -13521,7 +13526,7 @@
             <p:cNvPr id="38" name="Shape 98">
               <a:extLst>
                 <a:ext uri="{FF2B5EF4-FFF2-40B4-BE49-F238E27FC236}">
-                  <a16:creationId xmlns:a16="http://schemas.microsoft.com/office/drawing/2014/main" id="{330FBDA2-DE7B-4F59-BDD7-37F896F1860E}"/>
+                  <a16:creationId xmlns:a16="http://schemas.microsoft.com/office/drawing/2014/main" xmlns="" id="{330FBDA2-DE7B-4F59-BDD7-37F896F1860E}"/>
                 </a:ext>
               </a:extLst>
             </p:cNvPr>
@@ -13569,7 +13574,7 @@
                 </a:spcAft>
                 <a:buNone/>
               </a:pPr>
-              <a:endParaRPr dirty="0"/>
+              <a:endParaRPr sz="1600" dirty="0"/>
             </a:p>
           </p:txBody>
         </p:sp>
@@ -13578,7 +13583,7 @@
             <p:cNvPr id="39" name="Shape 98">
               <a:extLst>
                 <a:ext uri="{FF2B5EF4-FFF2-40B4-BE49-F238E27FC236}">
-                  <a16:creationId xmlns:a16="http://schemas.microsoft.com/office/drawing/2014/main" id="{B18D4ED4-C92D-4841-81B0-CE96806A8C0C}"/>
+                  <a16:creationId xmlns:a16="http://schemas.microsoft.com/office/drawing/2014/main" xmlns="" id="{B18D4ED4-C92D-4841-81B0-CE96806A8C0C}"/>
                 </a:ext>
               </a:extLst>
             </p:cNvPr>
@@ -13626,7 +13631,7 @@
                 </a:spcAft>
                 <a:buNone/>
               </a:pPr>
-              <a:endParaRPr dirty="0"/>
+              <a:endParaRPr sz="1600" dirty="0"/>
             </a:p>
           </p:txBody>
         </p:sp>
@@ -13635,7 +13640,7 @@
             <p:cNvPr id="40" name="Shape 98">
               <a:extLst>
                 <a:ext uri="{FF2B5EF4-FFF2-40B4-BE49-F238E27FC236}">
-                  <a16:creationId xmlns:a16="http://schemas.microsoft.com/office/drawing/2014/main" id="{E738A56B-3B5A-44AC-B59F-A968D3DA9735}"/>
+                  <a16:creationId xmlns:a16="http://schemas.microsoft.com/office/drawing/2014/main" xmlns="" id="{E738A56B-3B5A-44AC-B59F-A968D3DA9735}"/>
                 </a:ext>
               </a:extLst>
             </p:cNvPr>
@@ -13683,7 +13688,7 @@
                 </a:spcAft>
                 <a:buNone/>
               </a:pPr>
-              <a:endParaRPr dirty="0"/>
+              <a:endParaRPr sz="1600" dirty="0"/>
             </a:p>
           </p:txBody>
         </p:sp>
@@ -13692,7 +13697,7 @@
             <p:cNvPr id="31" name="Rectangle 30">
               <a:extLst>
                 <a:ext uri="{FF2B5EF4-FFF2-40B4-BE49-F238E27FC236}">
-                  <a16:creationId xmlns:a16="http://schemas.microsoft.com/office/drawing/2014/main" id="{7F3636F5-984F-4758-AB4A-4CF2FA73A5DC}"/>
+                  <a16:creationId xmlns:a16="http://schemas.microsoft.com/office/drawing/2014/main" xmlns="" id="{7F3636F5-984F-4758-AB4A-4CF2FA73A5DC}"/>
                 </a:ext>
               </a:extLst>
             </p:cNvPr>
@@ -13729,7 +13734,7 @@
             <a:lstStyle/>
             <a:p>
               <a:r>
-                <a:rPr lang="fr-FR" sz="1800" b="1" dirty="0">
+                <a:rPr lang="fr-FR" sz="2000" b="1" dirty="0">
                   <a:solidFill>
                     <a:schemeClr val="bg1"/>
                   </a:solidFill>
@@ -13739,7 +13744,7 @@
                 <a:t>Dom</a:t>
               </a:r>
               <a:r>
-                <a:rPr lang="fr-FR" sz="1800" b="1" baseline="-25000" dirty="0">
+                <a:rPr lang="fr-FR" sz="2000" b="1" baseline="-25000" dirty="0">
                   <a:solidFill>
                     <a:schemeClr val="bg1"/>
                   </a:solidFill>
@@ -13748,7 +13753,7 @@
                 </a:rPr>
                 <a:t>i</a:t>
               </a:r>
-              <a:endParaRPr lang="fr-FR" sz="1600" b="1" dirty="0">
+              <a:endParaRPr lang="fr-FR" sz="1800" b="1" dirty="0">
                 <a:solidFill>
                   <a:schemeClr val="bg1"/>
                 </a:solidFill>
@@ -13763,7 +13768,7 @@
             <p:cNvPr id="32" name="Rectangle 31">
               <a:extLst>
                 <a:ext uri="{FF2B5EF4-FFF2-40B4-BE49-F238E27FC236}">
-                  <a16:creationId xmlns:a16="http://schemas.microsoft.com/office/drawing/2014/main" id="{A06F020F-7A32-4B56-A86E-3AE6DC308729}"/>
+                  <a16:creationId xmlns:a16="http://schemas.microsoft.com/office/drawing/2014/main" xmlns="" id="{A06F020F-7A32-4B56-A86E-3AE6DC308729}"/>
                 </a:ext>
               </a:extLst>
             </p:cNvPr>
@@ -13800,7 +13805,7 @@
             <a:lstStyle/>
             <a:p>
               <a:r>
-                <a:rPr lang="fr-FR" sz="1800" b="1" dirty="0" err="1">
+                <a:rPr lang="fr-FR" sz="2000" b="1" dirty="0" err="1">
                   <a:solidFill>
                     <a:schemeClr val="bg1"/>
                   </a:solidFill>
@@ -13810,7 +13815,7 @@
                 <a:t>Pref</a:t>
               </a:r>
               <a:r>
-                <a:rPr lang="fr-FR" sz="1800" b="1" baseline="-25000" dirty="0" err="1">
+                <a:rPr lang="fr-FR" sz="2000" b="1" baseline="-25000" dirty="0" err="1">
                   <a:solidFill>
                     <a:schemeClr val="bg1"/>
                   </a:solidFill>
@@ -13819,7 +13824,7 @@
                 </a:rPr>
                 <a:t>i</a:t>
               </a:r>
-              <a:endParaRPr lang="fr-FR" sz="1800" b="1" dirty="0">
+              <a:endParaRPr lang="fr-FR" sz="2000" b="1" dirty="0">
                 <a:solidFill>
                   <a:schemeClr val="bg1"/>
                 </a:solidFill>
@@ -13835,7 +13840,7 @@
           <p:cNvPr id="42" name="Rectangle 41">
             <a:extLst>
               <a:ext uri="{FF2B5EF4-FFF2-40B4-BE49-F238E27FC236}">
-                <a16:creationId xmlns:a16="http://schemas.microsoft.com/office/drawing/2014/main" id="{AE01FB76-9DBA-4082-AD7F-C4129553D0F3}"/>
+                <a16:creationId xmlns:a16="http://schemas.microsoft.com/office/drawing/2014/main" xmlns="" id="{AE01FB76-9DBA-4082-AD7F-C4129553D0F3}"/>
               </a:ext>
             </a:extLst>
           </p:cNvPr>
@@ -13844,8 +13849,8 @@
         </p:nvSpPr>
         <p:spPr>
           <a:xfrm>
-            <a:off x="309496" y="2966060"/>
-            <a:ext cx="2252438" cy="1442386"/>
+            <a:off x="37584" y="2988933"/>
+            <a:ext cx="2443908" cy="1442385"/>
           </a:xfrm>
           <a:prstGeom prst="rect">
             <a:avLst/>
@@ -13878,7 +13883,7 @@
           <a:lstStyle/>
           <a:p>
             <a:pPr algn="ctr"/>
-            <a:endParaRPr lang="fr-FR" sz="1800" dirty="0">
+            <a:endParaRPr lang="fr-FR" sz="2000" dirty="0">
               <a:solidFill>
                 <a:schemeClr val="tx1"/>
               </a:solidFill>
@@ -13891,7 +13896,7 @@
           <p:cNvPr id="6" name="Rectangle 5">
             <a:extLst>
               <a:ext uri="{FF2B5EF4-FFF2-40B4-BE49-F238E27FC236}">
-                <a16:creationId xmlns:a16="http://schemas.microsoft.com/office/drawing/2014/main" id="{0AD6F091-957B-4FCB-BF36-EFEA32B41B69}"/>
+                <a16:creationId xmlns:a16="http://schemas.microsoft.com/office/drawing/2014/main" xmlns="" id="{0AD6F091-957B-4FCB-BF36-EFEA32B41B69}"/>
               </a:ext>
             </a:extLst>
           </p:cNvPr>
@@ -13900,8 +13905,8 @@
         </p:nvSpPr>
         <p:spPr>
           <a:xfrm>
-            <a:off x="6188301" y="3328654"/>
-            <a:ext cx="1303526" cy="418034"/>
+            <a:off x="5916388" y="3290495"/>
+            <a:ext cx="1414333" cy="479066"/>
           </a:xfrm>
           <a:prstGeom prst="rect">
             <a:avLst/>
@@ -13941,7 +13946,7 @@
           <a:lstStyle/>
           <a:p>
             <a:pPr algn="ctr"/>
-            <a:endParaRPr lang="fr-FR" sz="1800" b="1" dirty="0">
+            <a:endParaRPr lang="fr-FR" sz="2000" b="1" dirty="0">
               <a:solidFill>
                 <a:schemeClr val="tx1"/>
               </a:solidFill>
@@ -13954,7 +13959,7 @@
           <p:cNvPr id="45" name="Rectangle 44">
             <a:extLst>
               <a:ext uri="{FF2B5EF4-FFF2-40B4-BE49-F238E27FC236}">
-                <a16:creationId xmlns:a16="http://schemas.microsoft.com/office/drawing/2014/main" id="{41930D39-AB4D-4356-926D-29BA5800459A}"/>
+                <a16:creationId xmlns:a16="http://schemas.microsoft.com/office/drawing/2014/main" xmlns="" id="{41930D39-AB4D-4356-926D-29BA5800459A}"/>
               </a:ext>
             </a:extLst>
           </p:cNvPr>
@@ -13963,8 +13968,8 @@
         </p:nvSpPr>
         <p:spPr>
           <a:xfrm>
-            <a:off x="6029081" y="2549011"/>
-            <a:ext cx="2073881" cy="570557"/>
+            <a:off x="5757169" y="2488584"/>
+            <a:ext cx="2250173" cy="653857"/>
           </a:xfrm>
           <a:prstGeom prst="rect">
             <a:avLst/>
@@ -14000,7 +14005,7 @@
           <a:p>
             <a:pPr algn="ctr"/>
             <a:r>
-              <a:rPr lang="fr-FR" sz="1800" dirty="0" err="1">
+              <a:rPr lang="fr-FR" sz="2000" dirty="0" err="1">
                 <a:solidFill>
                   <a:schemeClr val="tx1"/>
                 </a:solidFill>
@@ -14008,7 +14013,7 @@
               <a:t>Utterance</a:t>
             </a:r>
             <a:r>
-              <a:rPr lang="fr-FR" sz="1800" dirty="0">
+              <a:rPr lang="fr-FR" sz="2000" dirty="0">
                 <a:solidFill>
                   <a:schemeClr val="tx1"/>
                 </a:solidFill>
@@ -14023,7 +14028,7 @@
           <p:cNvPr id="46" name="Rectangle 45">
             <a:extLst>
               <a:ext uri="{FF2B5EF4-FFF2-40B4-BE49-F238E27FC236}">
-                <a16:creationId xmlns:a16="http://schemas.microsoft.com/office/drawing/2014/main" id="{14D2FFFD-704D-46FC-BFF5-44A4A05C82FC}"/>
+                <a16:creationId xmlns:a16="http://schemas.microsoft.com/office/drawing/2014/main" xmlns="" id="{14D2FFFD-704D-46FC-BFF5-44A4A05C82FC}"/>
               </a:ext>
             </a:extLst>
           </p:cNvPr>
@@ -14032,8 +14037,8 @@
         </p:nvSpPr>
         <p:spPr>
           <a:xfrm>
-            <a:off x="6029081" y="3110665"/>
-            <a:ext cx="2070223" cy="1311024"/>
+            <a:off x="5757169" y="3148898"/>
+            <a:ext cx="2246204" cy="1295664"/>
           </a:xfrm>
           <a:prstGeom prst="rect">
             <a:avLst/>
@@ -14066,7 +14071,7 @@
           <a:lstStyle/>
           <a:p>
             <a:pPr algn="ctr"/>
-            <a:endParaRPr lang="fr-FR" sz="1800" dirty="0">
+            <a:endParaRPr lang="fr-FR" sz="2000" dirty="0">
               <a:solidFill>
                 <a:schemeClr val="tx1"/>
               </a:solidFill>
@@ -14079,7 +14084,7 @@
           <p:cNvPr id="48" name="Rectangle 47">
             <a:extLst>
               <a:ext uri="{FF2B5EF4-FFF2-40B4-BE49-F238E27FC236}">
-                <a16:creationId xmlns:a16="http://schemas.microsoft.com/office/drawing/2014/main" id="{11112EC6-D6B6-4A71-AE5A-3C30C5174B80}"/>
+                <a16:creationId xmlns:a16="http://schemas.microsoft.com/office/drawing/2014/main" xmlns="" id="{11112EC6-D6B6-4A71-AE5A-3C30C5174B80}"/>
               </a:ext>
             </a:extLst>
           </p:cNvPr>
@@ -14088,8 +14093,8 @@
         </p:nvSpPr>
         <p:spPr>
           <a:xfrm>
-            <a:off x="6340701" y="3481054"/>
-            <a:ext cx="1303526" cy="418034"/>
+            <a:off x="6068788" y="3442895"/>
+            <a:ext cx="1414333" cy="479066"/>
           </a:xfrm>
           <a:prstGeom prst="rect">
             <a:avLst/>
@@ -14129,7 +14134,7 @@
           <a:lstStyle/>
           <a:p>
             <a:pPr algn="ctr"/>
-            <a:endParaRPr lang="fr-FR" sz="1800" b="1" dirty="0">
+            <a:endParaRPr lang="fr-FR" sz="2000" b="1" dirty="0">
               <a:solidFill>
                 <a:schemeClr val="tx1"/>
               </a:solidFill>
@@ -14142,7 +14147,7 @@
           <p:cNvPr id="49" name="Rectangle 48">
             <a:extLst>
               <a:ext uri="{FF2B5EF4-FFF2-40B4-BE49-F238E27FC236}">
-                <a16:creationId xmlns:a16="http://schemas.microsoft.com/office/drawing/2014/main" id="{4EE314DB-5BA4-4DD8-AAC6-DAD6F325A3FA}"/>
+                <a16:creationId xmlns:a16="http://schemas.microsoft.com/office/drawing/2014/main" xmlns="" id="{4EE314DB-5BA4-4DD8-AAC6-DAD6F325A3FA}"/>
               </a:ext>
             </a:extLst>
           </p:cNvPr>
@@ -14151,8 +14156,8 @@
         </p:nvSpPr>
         <p:spPr>
           <a:xfrm>
-            <a:off x="6493101" y="3633454"/>
-            <a:ext cx="1303526" cy="418034"/>
+            <a:off x="6221188" y="3595295"/>
+            <a:ext cx="1414333" cy="479066"/>
           </a:xfrm>
           <a:prstGeom prst="rect">
             <a:avLst/>
@@ -14192,7 +14197,7 @@
           <a:lstStyle/>
           <a:p>
             <a:pPr algn="ctr"/>
-            <a:endParaRPr lang="fr-FR" sz="1800" b="1" dirty="0">
+            <a:endParaRPr lang="fr-FR" sz="2000" b="1" dirty="0">
               <a:solidFill>
                 <a:schemeClr val="tx1"/>
               </a:solidFill>
@@ -14205,7 +14210,7 @@
           <p:cNvPr id="50" name="Rectangle 49">
             <a:extLst>
               <a:ext uri="{FF2B5EF4-FFF2-40B4-BE49-F238E27FC236}">
-                <a16:creationId xmlns:a16="http://schemas.microsoft.com/office/drawing/2014/main" id="{E6BAA33C-B8C4-4DEF-BA68-9A70E0D86927}"/>
+                <a16:creationId xmlns:a16="http://schemas.microsoft.com/office/drawing/2014/main" xmlns="" id="{E6BAA33C-B8C4-4DEF-BA68-9A70E0D86927}"/>
               </a:ext>
             </a:extLst>
           </p:cNvPr>
@@ -14214,8 +14219,8 @@
         </p:nvSpPr>
         <p:spPr>
           <a:xfrm>
-            <a:off x="6645501" y="3785854"/>
-            <a:ext cx="1303526" cy="418034"/>
+            <a:off x="6373588" y="3747695"/>
+            <a:ext cx="1414333" cy="479066"/>
           </a:xfrm>
           <a:prstGeom prst="rect">
             <a:avLst/>
@@ -14256,7 +14261,7 @@
           <a:p>
             <a:pPr algn="ctr"/>
             <a:r>
-              <a:rPr lang="fr-FR" sz="1800" b="1" dirty="0" err="1">
+              <a:rPr lang="fr-FR" sz="2000" b="1" dirty="0" err="1">
                 <a:solidFill>
                   <a:schemeClr val="tx1"/>
                 </a:solidFill>
@@ -14264,14 +14269,14 @@
               <a:t>Utterance</a:t>
             </a:r>
             <a:r>
-              <a:rPr lang="fr-FR" sz="1950" b="1" baseline="-25000" dirty="0" err="1">
+              <a:rPr lang="fr-FR" sz="2000" b="1" baseline="-25000" dirty="0" err="1">
                 <a:solidFill>
                   <a:schemeClr val="tx1"/>
                 </a:solidFill>
               </a:rPr>
               <a:t>i</a:t>
             </a:r>
-            <a:endParaRPr lang="fr-FR" sz="1800" b="1" dirty="0">
+            <a:endParaRPr lang="fr-FR" sz="2000" b="1" dirty="0">
               <a:solidFill>
                 <a:schemeClr val="tx1"/>
               </a:solidFill>
@@ -14284,7 +14289,7 @@
           <p:cNvPr id="8" name="Connecteur droit avec flèche 7">
             <a:extLst>
               <a:ext uri="{FF2B5EF4-FFF2-40B4-BE49-F238E27FC236}">
-                <a16:creationId xmlns:a16="http://schemas.microsoft.com/office/drawing/2014/main" id="{216AAC11-745C-43CB-9248-A7A374FF95DA}"/>
+                <a16:creationId xmlns:a16="http://schemas.microsoft.com/office/drawing/2014/main" xmlns="" id="{216AAC11-745C-43CB-9248-A7A374FF95DA}"/>
               </a:ext>
             </a:extLst>
           </p:cNvPr>
@@ -14296,9 +14301,9 @@
           <p:nvPr/>
         </p:nvCxnSpPr>
         <p:spPr>
-          <a:xfrm flipH="1">
-            <a:off x="7064192" y="4421689"/>
-            <a:ext cx="1" cy="883083"/>
+          <a:xfrm>
+            <a:off x="6880271" y="4444562"/>
+            <a:ext cx="3937" cy="812608"/>
           </a:xfrm>
           <a:prstGeom prst="straightConnector1">
             <a:avLst/>
@@ -14332,7 +14337,7 @@
           <p:cNvPr id="52" name="Rectangle 51">
             <a:extLst>
               <a:ext uri="{FF2B5EF4-FFF2-40B4-BE49-F238E27FC236}">
-                <a16:creationId xmlns:a16="http://schemas.microsoft.com/office/drawing/2014/main" id="{E2C3B7F3-5BD8-4DCB-918B-9F5A35E762FC}"/>
+                <a16:creationId xmlns:a16="http://schemas.microsoft.com/office/drawing/2014/main" xmlns="" id="{E2C3B7F3-5BD8-4DCB-918B-9F5A35E762FC}"/>
               </a:ext>
             </a:extLst>
           </p:cNvPr>
@@ -14341,8 +14346,8 @@
         </p:nvSpPr>
         <p:spPr>
           <a:xfrm>
-            <a:off x="6349688" y="4680844"/>
-            <a:ext cx="1551297" cy="357027"/>
+            <a:off x="5916388" y="4651593"/>
+            <a:ext cx="1844554" cy="409152"/>
           </a:xfrm>
           <a:prstGeom prst="rect">
             <a:avLst/>
@@ -14378,7 +14383,7 @@
           <a:p>
             <a:pPr algn="ctr"/>
             <a:r>
-              <a:rPr lang="fr-FR" sz="1800" dirty="0">
+              <a:rPr lang="fr-FR" sz="2000" dirty="0">
                 <a:solidFill>
                   <a:schemeClr val="tx1"/>
                 </a:solidFill>
@@ -14386,7 +14391,7 @@
               <a:t>Comparaison</a:t>
             </a:r>
             <a:r>
-              <a:rPr lang="en-US" sz="1800" dirty="0">
+              <a:rPr lang="en-US" sz="2000" dirty="0">
                 <a:solidFill>
                   <a:schemeClr val="tx1"/>
                 </a:solidFill>
@@ -14401,7 +14406,7 @@
           <p:cNvPr id="58" name="Shape 166">
             <a:extLst>
               <a:ext uri="{FF2B5EF4-FFF2-40B4-BE49-F238E27FC236}">
-                <a16:creationId xmlns:a16="http://schemas.microsoft.com/office/drawing/2014/main" id="{2B88D407-0354-425A-B707-D4E56D46C5A9}"/>
+                <a16:creationId xmlns:a16="http://schemas.microsoft.com/office/drawing/2014/main" xmlns="" id="{2B88D407-0354-425A-B707-D4E56D46C5A9}"/>
               </a:ext>
             </a:extLst>
           </p:cNvPr>
@@ -14410,8 +14415,8 @@
         </p:nvSpPr>
         <p:spPr>
           <a:xfrm>
-            <a:off x="6252407" y="5304772"/>
-            <a:ext cx="1623570" cy="482712"/>
+            <a:off x="5980494" y="5257170"/>
+            <a:ext cx="1807427" cy="553187"/>
           </a:xfrm>
           <a:prstGeom prst="rect">
             <a:avLst/>
@@ -14448,7 +14453,7 @@
               <a:buNone/>
             </a:pPr>
             <a:r>
-              <a:rPr lang="fr-FR" sz="1800" b="1" dirty="0" err="1">
+              <a:rPr lang="fr-FR" sz="2000" b="1" dirty="0" err="1">
                 <a:solidFill>
                   <a:schemeClr val="lt1"/>
                 </a:solidFill>
@@ -14460,7 +14465,7 @@
               <a:t>Utterance</a:t>
             </a:r>
             <a:r>
-              <a:rPr lang="fr-FR" sz="2400" b="1" baseline="-25000" dirty="0" err="1">
+              <a:rPr lang="fr-FR" sz="2800" b="1" baseline="-25000" dirty="0" err="1">
                 <a:solidFill>
                   <a:schemeClr val="lt1"/>
                 </a:solidFill>
@@ -14471,7 +14476,7 @@
               </a:rPr>
               <a:t>other</a:t>
             </a:r>
-            <a:endParaRPr sz="1600" b="1" baseline="-25000" dirty="0">
+            <a:endParaRPr sz="1800" b="1" baseline="-25000" dirty="0">
               <a:solidFill>
                 <a:schemeClr val="lt1"/>
               </a:solidFill>
@@ -14488,7 +14493,7 @@
           <p:cNvPr id="13" name="Accolade fermante 12">
             <a:extLst>
               <a:ext uri="{FF2B5EF4-FFF2-40B4-BE49-F238E27FC236}">
-                <a16:creationId xmlns:a16="http://schemas.microsoft.com/office/drawing/2014/main" id="{F74B2717-81D8-4103-9C57-038C3A787585}"/>
+                <a16:creationId xmlns:a16="http://schemas.microsoft.com/office/drawing/2014/main" xmlns="" id="{F74B2717-81D8-4103-9C57-038C3A787585}"/>
               </a:ext>
             </a:extLst>
           </p:cNvPr>
@@ -14497,8 +14502,8 @@
         </p:nvSpPr>
         <p:spPr>
           <a:xfrm>
-            <a:off x="8206331" y="2498941"/>
-            <a:ext cx="635638" cy="3225453"/>
+            <a:off x="8112217" y="2346017"/>
+            <a:ext cx="689671" cy="3475887"/>
           </a:xfrm>
           <a:prstGeom prst="rightBrace">
             <a:avLst>
@@ -14525,7 +14530,7 @@
           </a:bodyPr>
           <a:lstStyle/>
           <a:p>
-            <a:endParaRPr lang="fr-FR">
+            <a:endParaRPr lang="fr-FR" sz="1600">
               <a:solidFill>
                 <a:srgbClr val="000000"/>
               </a:solidFill>
@@ -14540,7 +14545,7 @@
           <p:cNvPr id="62" name="Shape 105">
             <a:extLst>
               <a:ext uri="{FF2B5EF4-FFF2-40B4-BE49-F238E27FC236}">
-                <a16:creationId xmlns:a16="http://schemas.microsoft.com/office/drawing/2014/main" id="{30D75311-B3C4-4EA0-930A-5439C635029E}"/>
+                <a16:creationId xmlns:a16="http://schemas.microsoft.com/office/drawing/2014/main" xmlns="" id="{30D75311-B3C4-4EA0-930A-5439C635029E}"/>
               </a:ext>
             </a:extLst>
           </p:cNvPr>
@@ -14549,8 +14554,8 @@
         </p:nvSpPr>
         <p:spPr>
           <a:xfrm>
-            <a:off x="9083525" y="3478261"/>
-            <a:ext cx="663476" cy="490706"/>
+            <a:off x="8835362" y="3429492"/>
+            <a:ext cx="719875" cy="562348"/>
           </a:xfrm>
           <a:prstGeom prst="rightArrow">
             <a:avLst>
@@ -14586,7 +14591,7 @@
               </a:spcAft>
               <a:buNone/>
             </a:pPr>
-            <a:endParaRPr dirty="0"/>
+            <a:endParaRPr sz="1600" dirty="0"/>
           </a:p>
         </p:txBody>
       </p:sp>
@@ -16501,7 +16506,7 @@
           <p:cNvPr id="12" name="Connecteur : en angle 11">
             <a:extLst>
               <a:ext uri="{FF2B5EF4-FFF2-40B4-BE49-F238E27FC236}">
-                <a16:creationId xmlns:a16="http://schemas.microsoft.com/office/drawing/2014/main" id="{C9A8BE9E-0840-4B40-9552-6107E4A76B41}"/>
+                <a16:creationId xmlns:a16="http://schemas.microsoft.com/office/drawing/2014/main" xmlns="" id="{C9A8BE9E-0840-4B40-9552-6107E4A76B41}"/>
               </a:ext>
             </a:extLst>
           </p:cNvPr>
@@ -16624,7 +16629,7 @@
           <p:cNvPr id="51" name="Shape 167">
             <a:extLst>
               <a:ext uri="{FF2B5EF4-FFF2-40B4-BE49-F238E27FC236}">
-                <a16:creationId xmlns:a16="http://schemas.microsoft.com/office/drawing/2014/main" id="{3437DBAB-0069-4253-B644-5A88884E9583}"/>
+                <a16:creationId xmlns:a16="http://schemas.microsoft.com/office/drawing/2014/main" xmlns="" id="{3437DBAB-0069-4253-B644-5A88884E9583}"/>
               </a:ext>
             </a:extLst>
           </p:cNvPr>
